--- a/IBM Capstone Project.pptx
+++ b/IBM Capstone Project.pptx
@@ -3662,7 +3662,7 @@
             <a:spLocks noGrp="1"/>
           </p:cNvSpPr>
           <p:nvPr>
-            <p:ph idx="1"/>
+            <p:ph sz="half" idx="1"/>
           </p:nvPr>
         </p:nvSpPr>
         <p:spPr/>
@@ -3684,6 +3684,33 @@
           </a:p>
         </p:txBody>
       </p:sp>
+      <p:pic>
+        <p:nvPicPr>
+          <p:cNvPr id="4" name="Content Placeholder 3" descr="Screenshot (39)"/>
+          <p:cNvPicPr>
+            <a:picLocks noChangeAspect="1"/>
+          </p:cNvPicPr>
+          <p:nvPr>
+            <p:ph sz="half" idx="2"/>
+          </p:nvPr>
+        </p:nvPicPr>
+        <p:blipFill>
+          <a:blip r:embed="rId2"/>
+          <a:srcRect l="20633" t="24402" r="14740" b="6384"/>
+          <a:stretch>
+            <a:fillRect/>
+          </a:stretch>
+        </p:blipFill>
+        <p:spPr>
+          <a:xfrm>
+            <a:off x="6065520" y="1600200"/>
+            <a:ext cx="5516245" cy="4414520"/>
+          </a:xfrm>
+          <a:prstGeom prst="rect">
+            <a:avLst/>
+          </a:prstGeom>
+        </p:spPr>
+      </p:pic>
     </p:spTree>
   </p:cSld>
   <p:clrMapOvr>

--- a/IBM Capstone Project.pptx
+++ b/IBM Capstone Project.pptx
@@ -111,6 +111,2859 @@
     </a:lvl9pPr>
   </p:defaultTextStyle>
 </p:presentation>
+</file>
+
+<file path=ppt/diagrams/colors1.xml><?xml version="1.0" encoding="utf-8"?>
+<dgm:colorsDef xmlns:dgm="http://schemas.openxmlformats.org/drawingml/2006/diagram" xmlns:a="http://schemas.openxmlformats.org/drawingml/2006/main" uniqueId="urn:microsoft.com/office/officeart/2005/8/colors/accent5_4">
+  <dgm:title val=""/>
+  <dgm:desc val=""/>
+  <dgm:catLst>
+    <dgm:cat type="accent5" pri="11400"/>
+  </dgm:catLst>
+  <dgm:styleLbl name="alignAcc1">
+    <dgm:fillClrLst meth="repeat">
+      <a:schemeClr val="lt1">
+        <a:alpha val="90000"/>
+      </a:schemeClr>
+    </dgm:fillClrLst>
+    <dgm:linClrLst meth="cycle">
+      <a:schemeClr val="accent5">
+        <a:shade val="50000"/>
+      </a:schemeClr>
+      <a:schemeClr val="accent5">
+        <a:tint val="55000"/>
+      </a:schemeClr>
+    </dgm:linClrLst>
+    <dgm:effectClrLst/>
+    <dgm:txLinClrLst/>
+    <dgm:txFillClrLst meth="repeat">
+      <a:schemeClr val="dk1"/>
+    </dgm:txFillClrLst>
+    <dgm:txEffectClrLst/>
+  </dgm:styleLbl>
+  <dgm:styleLbl name="alignAccFollowNode1">
+    <dgm:fillClrLst meth="repeat">
+      <a:schemeClr val="accent5">
+        <a:alpha val="90000"/>
+        <a:tint val="55000"/>
+      </a:schemeClr>
+    </dgm:fillClrLst>
+    <dgm:linClrLst meth="repeat">
+      <a:schemeClr val="accent5">
+        <a:alpha val="90000"/>
+        <a:tint val="55000"/>
+      </a:schemeClr>
+    </dgm:linClrLst>
+    <dgm:effectClrLst/>
+    <dgm:txLinClrLst/>
+    <dgm:txFillClrLst meth="repeat">
+      <a:schemeClr val="dk1"/>
+    </dgm:txFillClrLst>
+    <dgm:txEffectClrLst/>
+  </dgm:styleLbl>
+  <dgm:styleLbl name="alignImgPlace1">
+    <dgm:fillClrLst>
+      <a:schemeClr val="accent5">
+        <a:tint val="50000"/>
+      </a:schemeClr>
+      <a:schemeClr val="accent5">
+        <a:tint val="55000"/>
+      </a:schemeClr>
+    </dgm:fillClrLst>
+    <dgm:linClrLst meth="repeat">
+      <a:schemeClr val="lt1"/>
+    </dgm:linClrLst>
+    <dgm:effectClrLst/>
+    <dgm:txLinClrLst/>
+    <dgm:txFillClrLst meth="repeat">
+      <a:schemeClr val="lt1"/>
+    </dgm:txFillClrLst>
+    <dgm:txEffectClrLst/>
+  </dgm:styleLbl>
+  <dgm:styleLbl name="alignNode1">
+    <dgm:fillClrLst meth="cycle">
+      <a:schemeClr val="accent5">
+        <a:shade val="50000"/>
+      </a:schemeClr>
+      <a:schemeClr val="accent5">
+        <a:tint val="55000"/>
+      </a:schemeClr>
+    </dgm:fillClrLst>
+    <dgm:linClrLst meth="cycle">
+      <a:schemeClr val="accent5">
+        <a:shade val="50000"/>
+      </a:schemeClr>
+      <a:schemeClr val="accent5">
+        <a:tint val="55000"/>
+      </a:schemeClr>
+    </dgm:linClrLst>
+    <dgm:effectClrLst/>
+    <dgm:txLinClrLst/>
+    <dgm:txFillClrLst/>
+    <dgm:txEffectClrLst/>
+  </dgm:styleLbl>
+  <dgm:styleLbl name="asst0">
+    <dgm:fillClrLst meth="repeat">
+      <a:schemeClr val="accent5">
+        <a:shade val="80000"/>
+      </a:schemeClr>
+    </dgm:fillClrLst>
+    <dgm:linClrLst meth="repeat">
+      <a:schemeClr val="lt1"/>
+    </dgm:linClrLst>
+    <dgm:effectClrLst/>
+    <dgm:txLinClrLst/>
+    <dgm:txFillClrLst/>
+    <dgm:txEffectClrLst/>
+  </dgm:styleLbl>
+  <dgm:styleLbl name="asst1">
+    <dgm:fillClrLst meth="repeat">
+      <a:schemeClr val="accent5">
+        <a:shade val="80000"/>
+      </a:schemeClr>
+    </dgm:fillClrLst>
+    <dgm:linClrLst meth="repeat">
+      <a:schemeClr val="lt1"/>
+    </dgm:linClrLst>
+    <dgm:effectClrLst/>
+    <dgm:txLinClrLst/>
+    <dgm:txFillClrLst/>
+    <dgm:txEffectClrLst/>
+  </dgm:styleLbl>
+  <dgm:styleLbl name="asst2">
+    <dgm:fillClrLst>
+      <a:schemeClr val="accent5">
+        <a:tint val="90000"/>
+      </a:schemeClr>
+    </dgm:fillClrLst>
+    <dgm:linClrLst meth="repeat">
+      <a:schemeClr val="lt1"/>
+    </dgm:linClrLst>
+    <dgm:effectClrLst/>
+    <dgm:txLinClrLst/>
+    <dgm:txFillClrLst/>
+    <dgm:txEffectClrLst/>
+  </dgm:styleLbl>
+  <dgm:styleLbl name="asst3">
+    <dgm:fillClrLst>
+      <a:schemeClr val="accent5">
+        <a:tint val="70000"/>
+      </a:schemeClr>
+    </dgm:fillClrLst>
+    <dgm:linClrLst meth="repeat">
+      <a:schemeClr val="lt1"/>
+    </dgm:linClrLst>
+    <dgm:effectClrLst/>
+    <dgm:txLinClrLst/>
+    <dgm:txFillClrLst/>
+    <dgm:txEffectClrLst/>
+  </dgm:styleLbl>
+  <dgm:styleLbl name="asst4">
+    <dgm:fillClrLst>
+      <a:schemeClr val="accent5">
+        <a:tint val="50000"/>
+      </a:schemeClr>
+    </dgm:fillClrLst>
+    <dgm:linClrLst meth="repeat">
+      <a:schemeClr val="lt1"/>
+    </dgm:linClrLst>
+    <dgm:effectClrLst/>
+    <dgm:txLinClrLst/>
+    <dgm:txFillClrLst/>
+    <dgm:txEffectClrLst/>
+  </dgm:styleLbl>
+  <dgm:styleLbl name="bgAcc1">
+    <dgm:fillClrLst meth="repeat">
+      <a:schemeClr val="lt1">
+        <a:alpha val="90000"/>
+      </a:schemeClr>
+    </dgm:fillClrLst>
+    <dgm:linClrLst meth="cycle">
+      <a:schemeClr val="accent5">
+        <a:shade val="50000"/>
+      </a:schemeClr>
+      <a:schemeClr val="accent5">
+        <a:tint val="55000"/>
+      </a:schemeClr>
+    </dgm:linClrLst>
+    <dgm:effectClrLst/>
+    <dgm:txLinClrLst/>
+    <dgm:txFillClrLst meth="repeat">
+      <a:schemeClr val="dk1"/>
+    </dgm:txFillClrLst>
+    <dgm:txEffectClrLst/>
+  </dgm:styleLbl>
+  <dgm:styleLbl name="bgAccFollowNode1">
+    <dgm:fillClrLst meth="repeat">
+      <a:schemeClr val="accent5">
+        <a:alpha val="90000"/>
+        <a:tint val="55000"/>
+      </a:schemeClr>
+    </dgm:fillClrLst>
+    <dgm:linClrLst meth="repeat">
+      <a:schemeClr val="lt1"/>
+    </dgm:linClrLst>
+    <dgm:effectClrLst/>
+    <dgm:txLinClrLst/>
+    <dgm:txFillClrLst meth="repeat">
+      <a:schemeClr val="dk1"/>
+    </dgm:txFillClrLst>
+    <dgm:txEffectClrLst/>
+  </dgm:styleLbl>
+  <dgm:styleLbl name="bgImgPlace1">
+    <dgm:fillClrLst>
+      <a:schemeClr val="accent5">
+        <a:tint val="50000"/>
+      </a:schemeClr>
+      <a:schemeClr val="accent5">
+        <a:tint val="55000"/>
+      </a:schemeClr>
+    </dgm:fillClrLst>
+    <dgm:linClrLst meth="repeat">
+      <a:schemeClr val="lt1"/>
+    </dgm:linClrLst>
+    <dgm:effectClrLst/>
+    <dgm:txLinClrLst/>
+    <dgm:txFillClrLst meth="repeat">
+      <a:schemeClr val="lt1"/>
+    </dgm:txFillClrLst>
+    <dgm:txEffectClrLst/>
+  </dgm:styleLbl>
+  <dgm:styleLbl name="bgShp">
+    <dgm:fillClrLst meth="repeat">
+      <a:schemeClr val="accent5">
+        <a:tint val="55000"/>
+      </a:schemeClr>
+    </dgm:fillClrLst>
+    <dgm:linClrLst meth="repeat">
+      <a:schemeClr val="dk1"/>
+    </dgm:linClrLst>
+    <dgm:effectClrLst/>
+    <dgm:txLinClrLst/>
+    <dgm:txFillClrLst meth="repeat">
+      <a:schemeClr val="dk1"/>
+    </dgm:txFillClrLst>
+    <dgm:txEffectClrLst/>
+  </dgm:styleLbl>
+  <dgm:styleLbl name="bgSibTrans2D1">
+    <dgm:fillClrLst meth="cycle">
+      <a:schemeClr val="accent5">
+        <a:shade val="90000"/>
+      </a:schemeClr>
+      <a:schemeClr val="accent5">
+        <a:tint val="50000"/>
+      </a:schemeClr>
+    </dgm:fillClrLst>
+    <dgm:linClrLst meth="cycle">
+      <a:schemeClr val="accent5">
+        <a:shade val="90000"/>
+      </a:schemeClr>
+      <a:schemeClr val="accent5">
+        <a:tint val="50000"/>
+      </a:schemeClr>
+    </dgm:linClrLst>
+    <dgm:effectClrLst/>
+    <dgm:txLinClrLst/>
+    <dgm:txFillClrLst/>
+    <dgm:txEffectClrLst/>
+  </dgm:styleLbl>
+  <dgm:styleLbl name="callout">
+    <dgm:fillClrLst meth="repeat">
+      <a:schemeClr val="accent5"/>
+    </dgm:fillClrLst>
+    <dgm:linClrLst meth="repeat">
+      <a:schemeClr val="accent5"/>
+    </dgm:linClrLst>
+    <dgm:effectClrLst/>
+    <dgm:txLinClrLst/>
+    <dgm:txFillClrLst meth="repeat">
+      <a:schemeClr val="tx1"/>
+    </dgm:txFillClrLst>
+    <dgm:txEffectClrLst/>
+  </dgm:styleLbl>
+  <dgm:styleLbl name="conFgAcc1">
+    <dgm:fillClrLst meth="repeat">
+      <a:schemeClr val="lt1">
+        <a:alpha val="90000"/>
+      </a:schemeClr>
+    </dgm:fillClrLst>
+    <dgm:linClrLst meth="cycle">
+      <a:schemeClr val="accent5">
+        <a:shade val="50000"/>
+      </a:schemeClr>
+      <a:schemeClr val="accent5">
+        <a:tint val="55000"/>
+      </a:schemeClr>
+    </dgm:linClrLst>
+    <dgm:effectClrLst/>
+    <dgm:txLinClrLst/>
+    <dgm:txFillClrLst meth="repeat">
+      <a:schemeClr val="dk1"/>
+    </dgm:txFillClrLst>
+    <dgm:txEffectClrLst/>
+  </dgm:styleLbl>
+  <dgm:styleLbl name="dkBgShp">
+    <dgm:fillClrLst meth="repeat">
+      <a:schemeClr val="accent5">
+        <a:shade val="90000"/>
+      </a:schemeClr>
+    </dgm:fillClrLst>
+    <dgm:linClrLst meth="repeat">
+      <a:schemeClr val="dk1"/>
+    </dgm:linClrLst>
+    <dgm:effectClrLst/>
+    <dgm:txLinClrLst/>
+    <dgm:txFillClrLst meth="repeat">
+      <a:schemeClr val="lt1"/>
+    </dgm:txFillClrLst>
+    <dgm:txEffectClrLst/>
+  </dgm:styleLbl>
+  <dgm:styleLbl name="fgAcc0">
+    <dgm:fillClrLst meth="repeat">
+      <a:schemeClr val="lt1">
+        <a:alpha val="90000"/>
+      </a:schemeClr>
+    </dgm:fillClrLst>
+    <dgm:linClrLst meth="repeat">
+      <a:schemeClr val="accent5">
+        <a:shade val="80000"/>
+      </a:schemeClr>
+    </dgm:linClrLst>
+    <dgm:effectClrLst/>
+    <dgm:txLinClrLst/>
+    <dgm:txFillClrLst meth="repeat">
+      <a:schemeClr val="dk1"/>
+    </dgm:txFillClrLst>
+    <dgm:txEffectClrLst/>
+  </dgm:styleLbl>
+  <dgm:styleLbl name="fgAcc1">
+    <dgm:fillClrLst meth="repeat">
+      <a:schemeClr val="lt1">
+        <a:alpha val="90000"/>
+      </a:schemeClr>
+    </dgm:fillClrLst>
+    <dgm:linClrLst meth="cycle">
+      <a:schemeClr val="accent5">
+        <a:shade val="50000"/>
+      </a:schemeClr>
+      <a:schemeClr val="accent5">
+        <a:tint val="55000"/>
+      </a:schemeClr>
+    </dgm:linClrLst>
+    <dgm:effectClrLst/>
+    <dgm:txLinClrLst/>
+    <dgm:txFillClrLst meth="repeat">
+      <a:schemeClr val="dk1"/>
+    </dgm:txFillClrLst>
+    <dgm:txEffectClrLst/>
+  </dgm:styleLbl>
+  <dgm:styleLbl name="fgAcc2">
+    <dgm:fillClrLst meth="repeat">
+      <a:schemeClr val="lt1">
+        <a:alpha val="90000"/>
+      </a:schemeClr>
+    </dgm:fillClrLst>
+    <dgm:linClrLst meth="repeat">
+      <a:schemeClr val="accent5">
+        <a:tint val="90000"/>
+      </a:schemeClr>
+    </dgm:linClrLst>
+    <dgm:effectClrLst/>
+    <dgm:txLinClrLst/>
+    <dgm:txFillClrLst meth="repeat">
+      <a:schemeClr val="dk1"/>
+    </dgm:txFillClrLst>
+    <dgm:txEffectClrLst/>
+  </dgm:styleLbl>
+  <dgm:styleLbl name="fgAcc3">
+    <dgm:fillClrLst meth="repeat">
+      <a:schemeClr val="lt1">
+        <a:alpha val="90000"/>
+      </a:schemeClr>
+    </dgm:fillClrLst>
+    <dgm:linClrLst meth="repeat">
+      <a:schemeClr val="accent5">
+        <a:tint val="70000"/>
+      </a:schemeClr>
+    </dgm:linClrLst>
+    <dgm:effectClrLst/>
+    <dgm:txLinClrLst/>
+    <dgm:txFillClrLst meth="repeat">
+      <a:schemeClr val="dk1"/>
+    </dgm:txFillClrLst>
+    <dgm:txEffectClrLst/>
+  </dgm:styleLbl>
+  <dgm:styleLbl name="fgAcc4">
+    <dgm:fillClrLst meth="repeat">
+      <a:schemeClr val="lt1">
+        <a:alpha val="90000"/>
+      </a:schemeClr>
+    </dgm:fillClrLst>
+    <dgm:linClrLst meth="repeat">
+      <a:schemeClr val="accent5">
+        <a:tint val="50000"/>
+      </a:schemeClr>
+    </dgm:linClrLst>
+    <dgm:effectClrLst/>
+    <dgm:txLinClrLst/>
+    <dgm:txFillClrLst meth="repeat">
+      <a:schemeClr val="dk1"/>
+    </dgm:txFillClrLst>
+    <dgm:txEffectClrLst/>
+  </dgm:styleLbl>
+  <dgm:styleLbl name="fgAccFollowNode1">
+    <dgm:fillClrLst meth="repeat">
+      <a:schemeClr val="accent5">
+        <a:alpha val="90000"/>
+        <a:tint val="55000"/>
+      </a:schemeClr>
+    </dgm:fillClrLst>
+    <dgm:linClrLst meth="repeat">
+      <a:schemeClr val="accent5">
+        <a:alpha val="90000"/>
+        <a:tint val="55000"/>
+      </a:schemeClr>
+    </dgm:linClrLst>
+    <dgm:effectClrLst/>
+    <dgm:txLinClrLst/>
+    <dgm:txFillClrLst meth="repeat">
+      <a:schemeClr val="dk1"/>
+    </dgm:txFillClrLst>
+    <dgm:txEffectClrLst/>
+  </dgm:styleLbl>
+  <dgm:styleLbl name="fgImgPlace1">
+    <dgm:fillClrLst>
+      <a:schemeClr val="accent5">
+        <a:tint val="50000"/>
+      </a:schemeClr>
+      <a:schemeClr val="accent5">
+        <a:tint val="55000"/>
+      </a:schemeClr>
+    </dgm:fillClrLst>
+    <dgm:linClrLst meth="repeat">
+      <a:schemeClr val="lt1"/>
+    </dgm:linClrLst>
+    <dgm:effectClrLst/>
+    <dgm:txLinClrLst/>
+    <dgm:txFillClrLst meth="repeat">
+      <a:schemeClr val="lt1"/>
+    </dgm:txFillClrLst>
+    <dgm:txEffectClrLst/>
+  </dgm:styleLbl>
+  <dgm:styleLbl name="fgShp">
+    <dgm:fillClrLst meth="repeat">
+      <a:schemeClr val="accent5">
+        <a:tint val="55000"/>
+      </a:schemeClr>
+    </dgm:fillClrLst>
+    <dgm:linClrLst meth="repeat">
+      <a:schemeClr val="lt1"/>
+    </dgm:linClrLst>
+    <dgm:effectClrLst/>
+    <dgm:txLinClrLst/>
+    <dgm:txFillClrLst meth="repeat">
+      <a:schemeClr val="dk1"/>
+    </dgm:txFillClrLst>
+    <dgm:txEffectClrLst/>
+  </dgm:styleLbl>
+  <dgm:styleLbl name="fgSibTrans2D1">
+    <dgm:fillClrLst meth="cycle">
+      <a:schemeClr val="accent5">
+        <a:shade val="90000"/>
+      </a:schemeClr>
+      <a:schemeClr val="accent5">
+        <a:tint val="50000"/>
+      </a:schemeClr>
+    </dgm:fillClrLst>
+    <dgm:linClrLst meth="cycle">
+      <a:schemeClr val="accent5">
+        <a:shade val="90000"/>
+      </a:schemeClr>
+      <a:schemeClr val="accent5">
+        <a:tint val="50000"/>
+      </a:schemeClr>
+    </dgm:linClrLst>
+    <dgm:effectClrLst/>
+    <dgm:txLinClrLst/>
+    <dgm:txFillClrLst/>
+    <dgm:txEffectClrLst/>
+  </dgm:styleLbl>
+  <dgm:styleLbl name="lnNode1">
+    <dgm:fillClrLst meth="cycle">
+      <a:schemeClr val="accent5">
+        <a:shade val="50000"/>
+      </a:schemeClr>
+      <a:schemeClr val="accent5">
+        <a:tint val="55000"/>
+      </a:schemeClr>
+    </dgm:fillClrLst>
+    <dgm:linClrLst meth="repeat">
+      <a:schemeClr val="lt1"/>
+    </dgm:linClrLst>
+    <dgm:effectClrLst/>
+    <dgm:txLinClrLst/>
+    <dgm:txFillClrLst/>
+    <dgm:txEffectClrLst/>
+  </dgm:styleLbl>
+  <dgm:styleLbl name="node0">
+    <dgm:fillClrLst meth="cycle">
+      <a:schemeClr val="accent5">
+        <a:shade val="60000"/>
+      </a:schemeClr>
+    </dgm:fillClrLst>
+    <dgm:linClrLst meth="repeat">
+      <a:schemeClr val="lt1"/>
+    </dgm:linClrLst>
+    <dgm:effectClrLst/>
+    <dgm:txLinClrLst/>
+    <dgm:txFillClrLst/>
+    <dgm:txEffectClrLst/>
+  </dgm:styleLbl>
+  <dgm:styleLbl name="node1">
+    <dgm:fillClrLst meth="cycle">
+      <a:schemeClr val="accent5">
+        <a:shade val="50000"/>
+      </a:schemeClr>
+      <a:schemeClr val="accent5">
+        <a:tint val="55000"/>
+      </a:schemeClr>
+    </dgm:fillClrLst>
+    <dgm:linClrLst meth="repeat">
+      <a:schemeClr val="lt1"/>
+    </dgm:linClrLst>
+    <dgm:effectClrLst/>
+    <dgm:txLinClrLst/>
+    <dgm:txFillClrLst/>
+    <dgm:txEffectClrLst/>
+  </dgm:styleLbl>
+  <dgm:styleLbl name="node2">
+    <dgm:fillClrLst>
+      <a:schemeClr val="accent5">
+        <a:shade val="80000"/>
+      </a:schemeClr>
+    </dgm:fillClrLst>
+    <dgm:linClrLst meth="repeat">
+      <a:schemeClr val="lt1"/>
+    </dgm:linClrLst>
+    <dgm:effectClrLst/>
+    <dgm:txLinClrLst/>
+    <dgm:txFillClrLst/>
+    <dgm:txEffectClrLst/>
+  </dgm:styleLbl>
+  <dgm:styleLbl name="node3">
+    <dgm:fillClrLst>
+      <a:schemeClr val="accent5">
+        <a:tint val="99000"/>
+      </a:schemeClr>
+    </dgm:fillClrLst>
+    <dgm:linClrLst meth="repeat">
+      <a:schemeClr val="lt1"/>
+    </dgm:linClrLst>
+    <dgm:effectClrLst/>
+    <dgm:txLinClrLst/>
+    <dgm:txFillClrLst/>
+    <dgm:txEffectClrLst/>
+  </dgm:styleLbl>
+  <dgm:styleLbl name="node4">
+    <dgm:fillClrLst>
+      <a:schemeClr val="accent5">
+        <a:tint val="70000"/>
+      </a:schemeClr>
+    </dgm:fillClrLst>
+    <dgm:linClrLst meth="repeat">
+      <a:schemeClr val="lt1"/>
+    </dgm:linClrLst>
+    <dgm:effectClrLst/>
+    <dgm:txLinClrLst/>
+    <dgm:txFillClrLst/>
+    <dgm:txEffectClrLst/>
+  </dgm:styleLbl>
+  <dgm:styleLbl name="parChTrans1D1">
+    <dgm:fillClrLst meth="repeat">
+      <a:schemeClr val="accent5">
+        <a:shade val="80000"/>
+      </a:schemeClr>
+    </dgm:fillClrLst>
+    <dgm:linClrLst meth="repeat">
+      <a:schemeClr val="accent5">
+        <a:shade val="80000"/>
+      </a:schemeClr>
+    </dgm:linClrLst>
+    <dgm:effectClrLst/>
+    <dgm:txLinClrLst/>
+    <dgm:txFillClrLst meth="repeat">
+      <a:schemeClr val="tx1"/>
+    </dgm:txFillClrLst>
+    <dgm:txEffectClrLst/>
+  </dgm:styleLbl>
+  <dgm:styleLbl name="parChTrans1D2">
+    <dgm:fillClrLst meth="repeat">
+      <a:schemeClr val="accent5">
+        <a:tint val="90000"/>
+      </a:schemeClr>
+    </dgm:fillClrLst>
+    <dgm:linClrLst meth="repeat">
+      <a:schemeClr val="accent5">
+        <a:tint val="90000"/>
+      </a:schemeClr>
+    </dgm:linClrLst>
+    <dgm:effectClrLst/>
+    <dgm:txLinClrLst/>
+    <dgm:txFillClrLst meth="repeat">
+      <a:schemeClr val="tx1"/>
+    </dgm:txFillClrLst>
+    <dgm:txEffectClrLst/>
+  </dgm:styleLbl>
+  <dgm:styleLbl name="parChTrans1D3">
+    <dgm:fillClrLst meth="repeat">
+      <a:schemeClr val="accent5">
+        <a:tint val="70000"/>
+      </a:schemeClr>
+    </dgm:fillClrLst>
+    <dgm:linClrLst meth="repeat">
+      <a:schemeClr val="accent5">
+        <a:tint val="70000"/>
+      </a:schemeClr>
+    </dgm:linClrLst>
+    <dgm:effectClrLst/>
+    <dgm:txLinClrLst/>
+    <dgm:txFillClrLst meth="repeat">
+      <a:schemeClr val="tx1"/>
+    </dgm:txFillClrLst>
+    <dgm:txEffectClrLst/>
+  </dgm:styleLbl>
+  <dgm:styleLbl name="parChTrans1D4">
+    <dgm:fillClrLst meth="repeat">
+      <a:schemeClr val="accent5">
+        <a:tint val="50000"/>
+      </a:schemeClr>
+    </dgm:fillClrLst>
+    <dgm:linClrLst meth="repeat">
+      <a:schemeClr val="accent5">
+        <a:tint val="50000"/>
+      </a:schemeClr>
+    </dgm:linClrLst>
+    <dgm:effectClrLst/>
+    <dgm:txLinClrLst/>
+    <dgm:txFillClrLst meth="repeat">
+      <a:schemeClr val="tx1"/>
+    </dgm:txFillClrLst>
+    <dgm:txEffectClrLst/>
+  </dgm:styleLbl>
+  <dgm:styleLbl name="parChTrans2D1">
+    <dgm:fillClrLst meth="repeat">
+      <a:schemeClr val="accent5">
+        <a:tint val="60000"/>
+      </a:schemeClr>
+    </dgm:fillClrLst>
+    <dgm:linClrLst meth="repeat">
+      <a:schemeClr val="accent5">
+        <a:shade val="80000"/>
+      </a:schemeClr>
+    </dgm:linClrLst>
+    <dgm:effectClrLst/>
+    <dgm:txLinClrLst/>
+    <dgm:txFillClrLst/>
+    <dgm:txEffectClrLst/>
+  </dgm:styleLbl>
+  <dgm:styleLbl name="parChTrans2D2">
+    <dgm:fillClrLst meth="repeat">
+      <a:schemeClr val="accent5">
+        <a:tint val="90000"/>
+      </a:schemeClr>
+    </dgm:fillClrLst>
+    <dgm:linClrLst meth="repeat">
+      <a:schemeClr val="accent5">
+        <a:tint val="90000"/>
+      </a:schemeClr>
+    </dgm:linClrLst>
+    <dgm:effectClrLst/>
+    <dgm:txLinClrLst/>
+    <dgm:txFillClrLst/>
+    <dgm:txEffectClrLst/>
+  </dgm:styleLbl>
+  <dgm:styleLbl name="parChTrans2D3">
+    <dgm:fillClrLst meth="repeat">
+      <a:schemeClr val="accent5">
+        <a:tint val="70000"/>
+      </a:schemeClr>
+    </dgm:fillClrLst>
+    <dgm:linClrLst meth="repeat">
+      <a:schemeClr val="accent5">
+        <a:tint val="70000"/>
+      </a:schemeClr>
+    </dgm:linClrLst>
+    <dgm:effectClrLst/>
+    <dgm:txLinClrLst/>
+    <dgm:txFillClrLst/>
+    <dgm:txEffectClrLst/>
+  </dgm:styleLbl>
+  <dgm:styleLbl name="parChTrans2D4">
+    <dgm:fillClrLst meth="repeat">
+      <a:schemeClr val="accent5">
+        <a:tint val="50000"/>
+      </a:schemeClr>
+    </dgm:fillClrLst>
+    <dgm:linClrLst meth="repeat">
+      <a:schemeClr val="accent5">
+        <a:tint val="50000"/>
+      </a:schemeClr>
+    </dgm:linClrLst>
+    <dgm:effectClrLst/>
+    <dgm:txLinClrLst/>
+    <dgm:txFillClrLst meth="repeat">
+      <a:schemeClr val="dk1"/>
+    </dgm:txFillClrLst>
+    <dgm:txEffectClrLst/>
+  </dgm:styleLbl>
+  <dgm:styleLbl name="revTx">
+    <dgm:fillClrLst meth="repeat">
+      <a:schemeClr val="lt1">
+        <a:alpha val="0"/>
+      </a:schemeClr>
+    </dgm:fillClrLst>
+    <dgm:linClrLst meth="repeat">
+      <a:schemeClr val="dk1">
+        <a:alpha val="0"/>
+      </a:schemeClr>
+    </dgm:linClrLst>
+    <dgm:effectClrLst/>
+    <dgm:txLinClrLst/>
+    <dgm:txFillClrLst meth="repeat">
+      <a:schemeClr val="tx1"/>
+    </dgm:txFillClrLst>
+    <dgm:txEffectClrLst/>
+  </dgm:styleLbl>
+  <dgm:styleLbl name="sibTrans1D1">
+    <dgm:fillClrLst meth="cycle">
+      <a:schemeClr val="accent5">
+        <a:shade val="90000"/>
+      </a:schemeClr>
+      <a:schemeClr val="accent5">
+        <a:tint val="50000"/>
+      </a:schemeClr>
+    </dgm:fillClrLst>
+    <dgm:linClrLst meth="cycle">
+      <a:schemeClr val="accent5">
+        <a:shade val="90000"/>
+      </a:schemeClr>
+      <a:schemeClr val="accent5">
+        <a:tint val="50000"/>
+      </a:schemeClr>
+    </dgm:linClrLst>
+    <dgm:effectClrLst/>
+    <dgm:txLinClrLst/>
+    <dgm:txFillClrLst meth="repeat">
+      <a:schemeClr val="tx1"/>
+    </dgm:txFillClrLst>
+    <dgm:txEffectClrLst/>
+  </dgm:styleLbl>
+  <dgm:styleLbl name="sibTrans2D1">
+    <dgm:fillClrLst meth="cycle">
+      <a:schemeClr val="accent5">
+        <a:shade val="90000"/>
+      </a:schemeClr>
+      <a:schemeClr val="accent5">
+        <a:tint val="50000"/>
+      </a:schemeClr>
+    </dgm:fillClrLst>
+    <dgm:linClrLst meth="cycle">
+      <a:schemeClr val="accent5">
+        <a:shade val="90000"/>
+      </a:schemeClr>
+      <a:schemeClr val="accent5">
+        <a:tint val="50000"/>
+      </a:schemeClr>
+    </dgm:linClrLst>
+    <dgm:effectClrLst/>
+    <dgm:txLinClrLst/>
+    <dgm:txFillClrLst/>
+    <dgm:txEffectClrLst/>
+  </dgm:styleLbl>
+  <dgm:styleLbl name="solidAlignAcc1">
+    <dgm:fillClrLst meth="repeat">
+      <a:schemeClr val="lt1"/>
+    </dgm:fillClrLst>
+    <dgm:linClrLst meth="repeat">
+      <a:schemeClr val="accent5"/>
+    </dgm:linClrLst>
+    <dgm:effectClrLst/>
+    <dgm:txLinClrLst/>
+    <dgm:txFillClrLst meth="repeat">
+      <a:schemeClr val="dk1"/>
+    </dgm:txFillClrLst>
+    <dgm:txEffectClrLst/>
+  </dgm:styleLbl>
+  <dgm:styleLbl name="solidBgAcc1">
+    <dgm:fillClrLst meth="repeat">
+      <a:schemeClr val="lt1"/>
+    </dgm:fillClrLst>
+    <dgm:linClrLst meth="repeat">
+      <a:schemeClr val="accent5"/>
+    </dgm:linClrLst>
+    <dgm:effectClrLst/>
+    <dgm:txLinClrLst/>
+    <dgm:txFillClrLst meth="repeat">
+      <a:schemeClr val="dk1"/>
+    </dgm:txFillClrLst>
+    <dgm:txEffectClrLst/>
+  </dgm:styleLbl>
+  <dgm:styleLbl name="solidFgAcc1">
+    <dgm:fillClrLst meth="repeat">
+      <a:schemeClr val="lt1"/>
+    </dgm:fillClrLst>
+    <dgm:linClrLst meth="cycle">
+      <a:schemeClr val="accent5">
+        <a:shade val="50000"/>
+      </a:schemeClr>
+      <a:schemeClr val="accent5">
+        <a:tint val="55000"/>
+      </a:schemeClr>
+    </dgm:linClrLst>
+    <dgm:effectClrLst/>
+    <dgm:txLinClrLst/>
+    <dgm:txFillClrLst meth="repeat">
+      <a:schemeClr val="dk1"/>
+    </dgm:txFillClrLst>
+    <dgm:txEffectClrLst/>
+  </dgm:styleLbl>
+  <dgm:styleLbl name="trAlignAcc1">
+    <dgm:fillClrLst meth="repeat">
+      <a:schemeClr val="lt1">
+        <a:alpha val="55000"/>
+      </a:schemeClr>
+    </dgm:fillClrLst>
+    <dgm:linClrLst meth="repeat">
+      <a:schemeClr val="accent5"/>
+    </dgm:linClrLst>
+    <dgm:effectClrLst/>
+    <dgm:txLinClrLst/>
+    <dgm:txFillClrLst meth="repeat">
+      <a:schemeClr val="dk1"/>
+    </dgm:txFillClrLst>
+    <dgm:txEffectClrLst/>
+  </dgm:styleLbl>
+  <dgm:styleLbl name="trBgShp">
+    <dgm:fillClrLst meth="repeat">
+      <a:schemeClr val="accent5">
+        <a:tint val="50000"/>
+        <a:alpha val="55000"/>
+      </a:schemeClr>
+    </dgm:fillClrLst>
+    <dgm:linClrLst meth="repeat">
+      <a:schemeClr val="accent5"/>
+    </dgm:linClrLst>
+    <dgm:effectClrLst/>
+    <dgm:txLinClrLst/>
+    <dgm:txFillClrLst meth="repeat">
+      <a:schemeClr val="lt1"/>
+    </dgm:txFillClrLst>
+    <dgm:txEffectClrLst/>
+  </dgm:styleLbl>
+  <dgm:styleLbl name="vennNode1">
+    <dgm:fillClrLst meth="cycle">
+      <a:schemeClr val="accent5">
+        <a:shade val="80000"/>
+        <a:alpha val="50000"/>
+      </a:schemeClr>
+      <a:schemeClr val="accent5">
+        <a:tint val="50000"/>
+        <a:alpha val="50000"/>
+      </a:schemeClr>
+    </dgm:fillClrLst>
+    <dgm:linClrLst meth="repeat">
+      <a:schemeClr val="lt1"/>
+    </dgm:linClrLst>
+    <dgm:effectClrLst/>
+    <dgm:txLinClrLst/>
+    <dgm:txFillClrLst/>
+    <dgm:txEffectClrLst/>
+  </dgm:styleLbl>
+</dgm:colorsDef>
+</file>
+
+<file path=ppt/diagrams/data1.xml><?xml version="1.0" encoding="utf-8"?>
+<dgm:dataModel xmlns:dgm="http://schemas.openxmlformats.org/drawingml/2006/diagram" xmlns:a="http://schemas.openxmlformats.org/drawingml/2006/main">
+  <dgm:ptLst>
+    <dgm:pt modelId="{8EB1D179-D23D-41D4-AEEF-E4B9FEB06903}" type="doc">
+      <dgm:prSet loTypeId="urn:microsoft.com/office/officeart/2005/8/layout/process1" loCatId="process" qsTypeId="urn:microsoft.com/office/officeart/2005/8/quickstyle/simple1" qsCatId="simple" csTypeId="urn:microsoft.com/office/officeart/2005/8/colors/accent5_4" csCatId="accent1" phldr="0"/>
+      <dgm:spPr/>
+    </dgm:pt>
+    <dgm:pt modelId="{3F25DA44-7F3E-4C17-A40B-7F663FDBEA65}">
+      <dgm:prSet phldrT="[Text]" phldr="0" custT="0"/>
+      <dgm:spPr/>
+      <dgm:t>
+        <a:bodyPr vert="horz" wrap="square"/>
+        <a:lstStyle>
+          <a:lvl1pPr algn="ctr">
+            <a:defRPr sz="1800"/>
+          </a:lvl1pPr>
+          <a:lvl2pPr marL="114300" indent="-114300" algn="ctr">
+            <a:defRPr sz="1400"/>
+          </a:lvl2pPr>
+          <a:lvl3pPr marL="228600" indent="-114300" algn="ctr">
+            <a:defRPr sz="1400"/>
+          </a:lvl3pPr>
+          <a:lvl4pPr marL="342900" indent="-114300" algn="ctr">
+            <a:defRPr sz="1400"/>
+          </a:lvl4pPr>
+          <a:lvl5pPr marL="457200" indent="-114300" algn="ctr">
+            <a:defRPr sz="1400"/>
+          </a:lvl5pPr>
+          <a:lvl6pPr marL="571500" indent="-114300" algn="ctr">
+            <a:defRPr sz="1400"/>
+          </a:lvl6pPr>
+          <a:lvl7pPr marL="685800" indent="-114300" algn="ctr">
+            <a:defRPr sz="1400"/>
+          </a:lvl7pPr>
+          <a:lvl8pPr marL="800100" indent="-114300" algn="ctr">
+            <a:defRPr sz="1400"/>
+          </a:lvl8pPr>
+          <a:lvl9pPr marL="914400" indent="-114300" algn="ctr">
+            <a:defRPr sz="1400"/>
+          </a:lvl9pPr>
+        </a:lstStyle>
+        <a:p>
+          <a:pPr>
+            <a:lnSpc>
+              <a:spcPct val="100000"/>
+            </a:lnSpc>
+            <a:spcBef>
+              <a:spcPct val="0"/>
+            </a:spcBef>
+            <a:spcAft>
+              <a:spcPct val="35000"/>
+            </a:spcAft>
+          </a:pPr>
+          <a:r>
+            <a:rPr lang="en-IN" altLang="en-US"/>
+            <a:t>Points of Interest near all places using Foursquare API</a:t>
+          </a:r>
+          <a:endParaRPr lang="en-IN" altLang="en-US"/>
+        </a:p>
+      </dgm:t>
+    </dgm:pt>
+    <dgm:pt modelId="{EE9066D1-3403-4469-8E8C-0D40A82430F2}" cxnId="{ECAA8E68-CA2C-46BC-A2DB-E50997EC5648}" type="parTrans">
+      <dgm:prSet/>
+      <dgm:spPr/>
+    </dgm:pt>
+    <dgm:pt modelId="{8EC5AF5E-9C9F-410A-A755-A3EA5186F948}" cxnId="{ECAA8E68-CA2C-46BC-A2DB-E50997EC5648}" type="sibTrans">
+      <dgm:prSet/>
+      <dgm:spPr/>
+      <dgm:t>
+        <a:bodyPr/>
+        <a:p>
+          <a:endParaRPr lang="en-US"/>
+        </a:p>
+      </dgm:t>
+    </dgm:pt>
+    <dgm:pt modelId="{2E2F4D3A-969C-4DB2-9FA9-5C4A40369351}">
+      <dgm:prSet phldrT="[Text]" phldr="0" custT="0"/>
+      <dgm:spPr/>
+      <dgm:t>
+        <a:bodyPr vert="horz" wrap="square"/>
+        <a:lstStyle>
+          <a:lvl1pPr algn="ctr">
+            <a:defRPr sz="1800"/>
+          </a:lvl1pPr>
+          <a:lvl2pPr marL="114300" indent="-114300" algn="ctr">
+            <a:defRPr sz="1400"/>
+          </a:lvl2pPr>
+          <a:lvl3pPr marL="228600" indent="-114300" algn="ctr">
+            <a:defRPr sz="1400"/>
+          </a:lvl3pPr>
+          <a:lvl4pPr marL="342900" indent="-114300" algn="ctr">
+            <a:defRPr sz="1400"/>
+          </a:lvl4pPr>
+          <a:lvl5pPr marL="457200" indent="-114300" algn="ctr">
+            <a:defRPr sz="1400"/>
+          </a:lvl5pPr>
+          <a:lvl6pPr marL="571500" indent="-114300" algn="ctr">
+            <a:defRPr sz="1400"/>
+          </a:lvl6pPr>
+          <a:lvl7pPr marL="685800" indent="-114300" algn="ctr">
+            <a:defRPr sz="1400"/>
+          </a:lvl7pPr>
+          <a:lvl8pPr marL="800100" indent="-114300" algn="ctr">
+            <a:defRPr sz="1400"/>
+          </a:lvl8pPr>
+          <a:lvl9pPr marL="914400" indent="-114300" algn="ctr">
+            <a:defRPr sz="1400"/>
+          </a:lvl9pPr>
+        </a:lstStyle>
+        <a:p>
+          <a:pPr>
+            <a:lnSpc>
+              <a:spcPct val="100000"/>
+            </a:lnSpc>
+            <a:spcBef>
+              <a:spcPct val="0"/>
+            </a:spcBef>
+            <a:spcAft>
+              <a:spcPct val="35000"/>
+            </a:spcAft>
+          </a:pPr>
+          <a:r>
+            <a:rPr lang="en-IN" altLang="en-US"/>
+            <a:t>Finding neighborhoods with no restaurants offering the same cuisine</a:t>
+          </a:r>
+          <a:endParaRPr lang="en-IN" altLang="en-US"/>
+        </a:p>
+      </dgm:t>
+    </dgm:pt>
+    <dgm:pt modelId="{1E934BFE-4D40-486C-8784-F698A10C4CF5}" cxnId="{C4082D19-896F-4B18-98D4-C3DFB7307559}" type="parTrans">
+      <dgm:prSet/>
+      <dgm:spPr/>
+    </dgm:pt>
+    <dgm:pt modelId="{EC1AFF77-9232-4EEB-95CB-85CEAB3B1FC0}" cxnId="{C4082D19-896F-4B18-98D4-C3DFB7307559}" type="sibTrans">
+      <dgm:prSet/>
+      <dgm:spPr/>
+      <dgm:t>
+        <a:bodyPr/>
+        <a:p>
+          <a:endParaRPr lang="en-US"/>
+        </a:p>
+      </dgm:t>
+    </dgm:pt>
+    <dgm:pt modelId="{37B86CFA-59B5-46FA-8A6B-9FB187CE14DF}">
+      <dgm:prSet phldrT="[Text]" phldr="0" custT="0"/>
+      <dgm:spPr/>
+      <dgm:t>
+        <a:bodyPr vert="horz" wrap="square"/>
+        <a:lstStyle>
+          <a:lvl1pPr algn="ctr">
+            <a:defRPr sz="1800"/>
+          </a:lvl1pPr>
+          <a:lvl2pPr marL="114300" indent="-114300" algn="ctr">
+            <a:defRPr sz="1400"/>
+          </a:lvl2pPr>
+          <a:lvl3pPr marL="228600" indent="-114300" algn="ctr">
+            <a:defRPr sz="1400"/>
+          </a:lvl3pPr>
+          <a:lvl4pPr marL="342900" indent="-114300" algn="ctr">
+            <a:defRPr sz="1400"/>
+          </a:lvl4pPr>
+          <a:lvl5pPr marL="457200" indent="-114300" algn="ctr">
+            <a:defRPr sz="1400"/>
+          </a:lvl5pPr>
+          <a:lvl6pPr marL="571500" indent="-114300" algn="ctr">
+            <a:defRPr sz="1400"/>
+          </a:lvl6pPr>
+          <a:lvl7pPr marL="685800" indent="-114300" algn="ctr">
+            <a:defRPr sz="1400"/>
+          </a:lvl7pPr>
+          <a:lvl8pPr marL="800100" indent="-114300" algn="ctr">
+            <a:defRPr sz="1400"/>
+          </a:lvl8pPr>
+          <a:lvl9pPr marL="914400" indent="-114300" algn="ctr">
+            <a:defRPr sz="1400"/>
+          </a:lvl9pPr>
+        </a:lstStyle>
+        <a:p>
+          <a:pPr>
+            <a:lnSpc>
+              <a:spcPct val="100000"/>
+            </a:lnSpc>
+            <a:spcBef>
+              <a:spcPct val="0"/>
+            </a:spcBef>
+            <a:spcAft>
+              <a:spcPct val="35000"/>
+            </a:spcAft>
+          </a:pPr>
+          <a:r>
+            <a:rPr lang="en-IN" altLang="en-US"/>
+            <a:t>Further, forming a dataframe of all the optimum neighborhoods.</a:t>
+          </a:r>
+          <a:endParaRPr lang="en-IN" altLang="en-US"/>
+        </a:p>
+      </dgm:t>
+    </dgm:pt>
+    <dgm:pt modelId="{9DABF4F3-A9E6-40B1-A863-AC9409CC14BB}" cxnId="{B9A229DF-AD4D-46CF-98FC-7C1316FC099C}" type="parTrans">
+      <dgm:prSet/>
+      <dgm:spPr/>
+    </dgm:pt>
+    <dgm:pt modelId="{18EFF3C3-47F9-402B-A3F3-E9310EA281B4}" cxnId="{B9A229DF-AD4D-46CF-98FC-7C1316FC099C}" type="sibTrans">
+      <dgm:prSet/>
+      <dgm:spPr/>
+    </dgm:pt>
+    <dgm:pt modelId="{BF708676-7EFC-4C81-9D3A-3E677EAC1C7B}" type="pres">
+      <dgm:prSet presAssocID="{8EB1D179-D23D-41D4-AEEF-E4B9FEB06903}" presName="Name0" presStyleCnt="0">
+        <dgm:presLayoutVars>
+          <dgm:dir/>
+          <dgm:resizeHandles val="exact"/>
+        </dgm:presLayoutVars>
+      </dgm:prSet>
+      <dgm:spPr/>
+    </dgm:pt>
+    <dgm:pt modelId="{111DEAC9-5D4C-4A6A-A44E-082A26F60596}" type="pres">
+      <dgm:prSet presAssocID="{3F25DA44-7F3E-4C17-A40B-7F663FDBEA65}" presName="node" presStyleLbl="node1" presStyleIdx="0" presStyleCnt="3">
+        <dgm:presLayoutVars>
+          <dgm:bulletEnabled val="1"/>
+        </dgm:presLayoutVars>
+      </dgm:prSet>
+      <dgm:spPr/>
+    </dgm:pt>
+    <dgm:pt modelId="{8A5CF0CE-3323-464D-9C63-05C1BDB053F5}" type="pres">
+      <dgm:prSet presAssocID="{8EC5AF5E-9C9F-410A-A755-A3EA5186F948}" presName="sibTrans" presStyleLbl="sibTrans2D1" presStyleIdx="0" presStyleCnt="2"/>
+      <dgm:spPr/>
+    </dgm:pt>
+    <dgm:pt modelId="{5FA465F6-7607-499F-BFB2-52F4E071FB67}" type="pres">
+      <dgm:prSet presAssocID="{8EC5AF5E-9C9F-410A-A755-A3EA5186F948}" presName="connectorText" presStyleCnt="0"/>
+      <dgm:spPr/>
+    </dgm:pt>
+    <dgm:pt modelId="{552FB8E7-A5FB-4CC3-94C3-CE0BDF19F9F1}" type="pres">
+      <dgm:prSet presAssocID="{2E2F4D3A-969C-4DB2-9FA9-5C4A40369351}" presName="node" presStyleLbl="node1" presStyleIdx="1" presStyleCnt="3">
+        <dgm:presLayoutVars>
+          <dgm:bulletEnabled val="1"/>
+        </dgm:presLayoutVars>
+      </dgm:prSet>
+      <dgm:spPr/>
+    </dgm:pt>
+    <dgm:pt modelId="{353C3794-50AA-4D44-83C9-CE28317C3317}" type="pres">
+      <dgm:prSet presAssocID="{EC1AFF77-9232-4EEB-95CB-85CEAB3B1FC0}" presName="sibTrans" presStyleLbl="sibTrans2D1" presStyleIdx="1" presStyleCnt="2"/>
+      <dgm:spPr/>
+    </dgm:pt>
+    <dgm:pt modelId="{5AFF040D-0639-4120-9E39-DA822CF9F321}" type="pres">
+      <dgm:prSet presAssocID="{EC1AFF77-9232-4EEB-95CB-85CEAB3B1FC0}" presName="connectorText" presStyleCnt="0"/>
+      <dgm:spPr/>
+    </dgm:pt>
+    <dgm:pt modelId="{A1E15D63-E1FF-4A28-A04F-A2B65927BC31}" type="pres">
+      <dgm:prSet presAssocID="{37B86CFA-59B5-46FA-8A6B-9FB187CE14DF}" presName="node" presStyleLbl="node1" presStyleIdx="2" presStyleCnt="3">
+        <dgm:presLayoutVars>
+          <dgm:bulletEnabled val="1"/>
+        </dgm:presLayoutVars>
+      </dgm:prSet>
+      <dgm:spPr/>
+    </dgm:pt>
+  </dgm:ptLst>
+  <dgm:cxnLst>
+    <dgm:cxn modelId="{ECAA8E68-CA2C-46BC-A2DB-E50997EC5648}" srcId="{8EB1D179-D23D-41D4-AEEF-E4B9FEB06903}" destId="{3F25DA44-7F3E-4C17-A40B-7F663FDBEA65}" srcOrd="0" destOrd="0" parTransId="{EE9066D1-3403-4469-8E8C-0D40A82430F2}" sibTransId="{8EC5AF5E-9C9F-410A-A755-A3EA5186F948}"/>
+    <dgm:cxn modelId="{C4082D19-896F-4B18-98D4-C3DFB7307559}" srcId="{8EB1D179-D23D-41D4-AEEF-E4B9FEB06903}" destId="{2E2F4D3A-969C-4DB2-9FA9-5C4A40369351}" srcOrd="1" destOrd="0" parTransId="{1E934BFE-4D40-486C-8784-F698A10C4CF5}" sibTransId="{EC1AFF77-9232-4EEB-95CB-85CEAB3B1FC0}"/>
+    <dgm:cxn modelId="{B9A229DF-AD4D-46CF-98FC-7C1316FC099C}" srcId="{8EB1D179-D23D-41D4-AEEF-E4B9FEB06903}" destId="{37B86CFA-59B5-46FA-8A6B-9FB187CE14DF}" srcOrd="2" destOrd="0" parTransId="{9DABF4F3-A9E6-40B1-A863-AC9409CC14BB}" sibTransId="{18EFF3C3-47F9-402B-A3F3-E9310EA281B4}"/>
+    <dgm:cxn modelId="{0422D8BB-B2E5-4BC4-A627-E0A1FBE58E98}" type="presOf" srcId="{8EB1D179-D23D-41D4-AEEF-E4B9FEB06903}" destId="{BF708676-7EFC-4C81-9D3A-3E677EAC1C7B}" srcOrd="0" destOrd="0" presId="urn:microsoft.com/office/officeart/2005/8/layout/process1"/>
+    <dgm:cxn modelId="{DF90B16C-E404-44EF-8A62-7D8F0CB66161}" type="presParOf" srcId="{BF708676-7EFC-4C81-9D3A-3E677EAC1C7B}" destId="{111DEAC9-5D4C-4A6A-A44E-082A26F60596}" srcOrd="0" destOrd="0" presId="urn:microsoft.com/office/officeart/2005/8/layout/process1"/>
+    <dgm:cxn modelId="{E831A543-E32C-4774-8905-B92649497B3B}" type="presOf" srcId="{3F25DA44-7F3E-4C17-A40B-7F663FDBEA65}" destId="{111DEAC9-5D4C-4A6A-A44E-082A26F60596}" srcOrd="0" destOrd="0" presId="urn:microsoft.com/office/officeart/2005/8/layout/process1"/>
+    <dgm:cxn modelId="{B84A04E5-67ED-4C81-9A62-1FBD55FD7E97}" type="presParOf" srcId="{BF708676-7EFC-4C81-9D3A-3E677EAC1C7B}" destId="{8A5CF0CE-3323-464D-9C63-05C1BDB053F5}" srcOrd="1" destOrd="0" presId="urn:microsoft.com/office/officeart/2005/8/layout/process1"/>
+    <dgm:cxn modelId="{9EB01059-8E67-48F1-BE2B-011F78BF4D3D}" type="presOf" srcId="{8EC5AF5E-9C9F-410A-A755-A3EA5186F948}" destId="{8A5CF0CE-3323-464D-9C63-05C1BDB053F5}" srcOrd="0" destOrd="0" presId="urn:microsoft.com/office/officeart/2005/8/layout/process1"/>
+    <dgm:cxn modelId="{788E975E-ECDD-4AD6-9952-0B701D608D91}" type="presParOf" srcId="{8A5CF0CE-3323-464D-9C63-05C1BDB053F5}" destId="{5FA465F6-7607-499F-BFB2-52F4E071FB67}" srcOrd="0" destOrd="1" presId="urn:microsoft.com/office/officeart/2005/8/layout/process1"/>
+    <dgm:cxn modelId="{CF2F9708-636E-4E73-99ED-C29E9012EFF3}" type="presOf" srcId="{8EC5AF5E-9C9F-410A-A755-A3EA5186F948}" destId="{5FA465F6-7607-499F-BFB2-52F4E071FB67}" srcOrd="1" destOrd="0" presId="urn:microsoft.com/office/officeart/2005/8/layout/process1"/>
+    <dgm:cxn modelId="{FAC97B1E-F42D-4550-A5D2-7F71A7DC2F18}" type="presParOf" srcId="{BF708676-7EFC-4C81-9D3A-3E677EAC1C7B}" destId="{552FB8E7-A5FB-4CC3-94C3-CE0BDF19F9F1}" srcOrd="2" destOrd="0" presId="urn:microsoft.com/office/officeart/2005/8/layout/process1"/>
+    <dgm:cxn modelId="{1B5DC85C-46CD-48C1-B888-BD57EF0DD390}" type="presOf" srcId="{2E2F4D3A-969C-4DB2-9FA9-5C4A40369351}" destId="{552FB8E7-A5FB-4CC3-94C3-CE0BDF19F9F1}" srcOrd="0" destOrd="0" presId="urn:microsoft.com/office/officeart/2005/8/layout/process1"/>
+    <dgm:cxn modelId="{46E01040-A964-4A5B-AE99-07DDAFFEAA80}" type="presParOf" srcId="{BF708676-7EFC-4C81-9D3A-3E677EAC1C7B}" destId="{353C3794-50AA-4D44-83C9-CE28317C3317}" srcOrd="3" destOrd="0" presId="urn:microsoft.com/office/officeart/2005/8/layout/process1"/>
+    <dgm:cxn modelId="{438538CE-6BD6-4506-B61D-902A41A8F76C}" type="presOf" srcId="{EC1AFF77-9232-4EEB-95CB-85CEAB3B1FC0}" destId="{353C3794-50AA-4D44-83C9-CE28317C3317}" srcOrd="0" destOrd="0" presId="urn:microsoft.com/office/officeart/2005/8/layout/process1"/>
+    <dgm:cxn modelId="{66343B59-FF1E-4168-A1B1-B7FBD2734049}" type="presParOf" srcId="{353C3794-50AA-4D44-83C9-CE28317C3317}" destId="{5AFF040D-0639-4120-9E39-DA822CF9F321}" srcOrd="0" destOrd="3" presId="urn:microsoft.com/office/officeart/2005/8/layout/process1"/>
+    <dgm:cxn modelId="{A333EA97-9392-4D4F-841E-0AD253638F48}" type="presOf" srcId="{EC1AFF77-9232-4EEB-95CB-85CEAB3B1FC0}" destId="{5AFF040D-0639-4120-9E39-DA822CF9F321}" srcOrd="1" destOrd="0" presId="urn:microsoft.com/office/officeart/2005/8/layout/process1"/>
+    <dgm:cxn modelId="{8E333322-7994-45D4-A2E7-6E81C91A5700}" type="presParOf" srcId="{BF708676-7EFC-4C81-9D3A-3E677EAC1C7B}" destId="{A1E15D63-E1FF-4A28-A04F-A2B65927BC31}" srcOrd="4" destOrd="0" presId="urn:microsoft.com/office/officeart/2005/8/layout/process1"/>
+    <dgm:cxn modelId="{F76D712C-0D43-4C6E-A166-9DA62C845985}" type="presOf" srcId="{37B86CFA-59B5-46FA-8A6B-9FB187CE14DF}" destId="{A1E15D63-E1FF-4A28-A04F-A2B65927BC31}" srcOrd="0" destOrd="0" presId="urn:microsoft.com/office/officeart/2005/8/layout/process1"/>
+  </dgm:cxnLst>
+  <dgm:bg/>
+  <dgm:whole/>
+  <dgm:extLst>
+    <a:ext uri="http://schemas.microsoft.com/office/drawing/2008/diagram">
+      <dsp:dataModelExt xmlns:dsp="http://schemas.microsoft.com/office/drawing/2008/diagram" relId="rId6" minVer="http://schemas.openxmlformats.org/drawingml/2006/diagram"/>
+    </a:ext>
+  </dgm:extLst>
+</dgm:dataModel>
+</file>
+
+<file path=ppt/diagrams/drawing1.xml><?xml version="1.0" encoding="utf-8"?>
+<dsp:drawing xmlns:dgm="http://schemas.openxmlformats.org/drawingml/2006/diagram" xmlns:dsp="http://schemas.microsoft.com/office/drawing/2008/diagram" xmlns:a="http://schemas.openxmlformats.org/drawingml/2006/main" xmlns:r="http://schemas.openxmlformats.org/officeDocument/2006/relationships">
+  <dsp:spTree>
+    <dsp:nvGrpSpPr>
+      <dsp:cNvPr id="2" name="Group 1"/>
+      <dsp:cNvGrpSpPr/>
+    </dsp:nvGrpSpPr>
+    <dsp:grpSpPr>
+      <a:xfrm>
+        <a:off x="0" y="0"/>
+        <a:ext cx="8128000" cy="5418455"/>
+        <a:chOff x="0" y="0"/>
+        <a:chExt cx="8128000" cy="5418455"/>
+      </a:xfrm>
+    </dsp:grpSpPr>
+    <dsp:sp modelId="{111DEAC9-5D4C-4A6A-A44E-082A26F60596}">
+      <dsp:nvSpPr>
+        <dsp:cNvPr id="3" name="Rounded Rectangle 2"/>
+        <dsp:cNvSpPr/>
+      </dsp:nvSpPr>
+      <dsp:spPr bwMode="white">
+        <a:xfrm>
+          <a:off x="0" y="1761808"/>
+          <a:ext cx="2138947" cy="1894840"/>
+        </a:xfrm>
+        <a:prstGeom prst="roundRect">
+          <a:avLst>
+            <a:gd name="adj" fmla="val 10000"/>
+          </a:avLst>
+        </a:prstGeom>
+      </dsp:spPr>
+      <dsp:style>
+        <a:lnRef idx="2">
+          <a:schemeClr val="lt1"/>
+        </a:lnRef>
+        <a:fillRef idx="1">
+          <a:schemeClr val="accent5">
+            <a:shade val="50000"/>
+            <a:hueOff val="0"/>
+            <a:satOff val="0"/>
+            <a:lumOff val="0"/>
+            <a:alpha val="100000"/>
+          </a:schemeClr>
+        </a:fillRef>
+        <a:effectRef idx="0">
+          <a:scrgbClr r="0" g="0" b="0"/>
+        </a:effectRef>
+        <a:fontRef idx="minor">
+          <a:schemeClr val="lt1"/>
+        </a:fontRef>
+      </dsp:style>
+      <dsp:txBody>
+        <a:bodyPr vert="horz" wrap="square" lIns="68580" tIns="68580" rIns="68580" bIns="68580" anchor="ctr"/>
+        <a:lstStyle>
+          <a:lvl1pPr algn="ctr">
+            <a:defRPr sz="1800"/>
+          </a:lvl1pPr>
+          <a:lvl2pPr marL="114300" indent="-114300" algn="ctr">
+            <a:defRPr sz="1400"/>
+          </a:lvl2pPr>
+          <a:lvl3pPr marL="228600" indent="-114300" algn="ctr">
+            <a:defRPr sz="1400"/>
+          </a:lvl3pPr>
+          <a:lvl4pPr marL="342900" indent="-114300" algn="ctr">
+            <a:defRPr sz="1400"/>
+          </a:lvl4pPr>
+          <a:lvl5pPr marL="457200" indent="-114300" algn="ctr">
+            <a:defRPr sz="1400"/>
+          </a:lvl5pPr>
+          <a:lvl6pPr marL="571500" indent="-114300" algn="ctr">
+            <a:defRPr sz="1400"/>
+          </a:lvl6pPr>
+          <a:lvl7pPr marL="685800" indent="-114300" algn="ctr">
+            <a:defRPr sz="1400"/>
+          </a:lvl7pPr>
+          <a:lvl8pPr marL="800100" indent="-114300" algn="ctr">
+            <a:defRPr sz="1400"/>
+          </a:lvl8pPr>
+          <a:lvl9pPr marL="914400" indent="-114300" algn="ctr">
+            <a:defRPr sz="1400"/>
+          </a:lvl9pPr>
+        </a:lstStyle>
+        <a:p>
+          <a:pPr lvl="0">
+            <a:lnSpc>
+              <a:spcPct val="100000"/>
+            </a:lnSpc>
+            <a:spcBef>
+              <a:spcPct val="0"/>
+            </a:spcBef>
+            <a:spcAft>
+              <a:spcPct val="35000"/>
+            </a:spcAft>
+          </a:pPr>
+          <a:r>
+            <a:rPr lang="en-IN" altLang="en-US"/>
+            <a:t>Points of Interest near all places using Foursquare API</a:t>
+          </a:r>
+          <a:endParaRPr lang="en-IN" altLang="en-US"/>
+        </a:p>
+      </dsp:txBody>
+      <dsp:txXfrm>
+        <a:off x="0" y="1761808"/>
+        <a:ext cx="2138947" cy="1894840"/>
+      </dsp:txXfrm>
+    </dsp:sp>
+    <dsp:sp modelId="{8A5CF0CE-3323-464D-9C63-05C1BDB053F5}">
+      <dsp:nvSpPr>
+        <dsp:cNvPr id="4" name="Right Arrow 3"/>
+        <dsp:cNvSpPr/>
+      </dsp:nvSpPr>
+      <dsp:spPr bwMode="white">
+        <a:xfrm>
+          <a:off x="2340008" y="2443998"/>
+          <a:ext cx="453457" cy="530459"/>
+        </a:xfrm>
+        <a:prstGeom prst="rightArrow">
+          <a:avLst>
+            <a:gd name="adj1" fmla="val 60000"/>
+            <a:gd name="adj2" fmla="val 50000"/>
+          </a:avLst>
+        </a:prstGeom>
+      </dsp:spPr>
+      <dsp:style>
+        <a:lnRef idx="0">
+          <a:schemeClr val="accent5">
+            <a:shade val="90000"/>
+            <a:hueOff val="0"/>
+            <a:satOff val="0"/>
+            <a:lumOff val="0"/>
+            <a:alpha val="100000"/>
+          </a:schemeClr>
+        </a:lnRef>
+        <a:fillRef idx="1">
+          <a:schemeClr val="accent5">
+            <a:shade val="90000"/>
+            <a:hueOff val="0"/>
+            <a:satOff val="0"/>
+            <a:lumOff val="0"/>
+            <a:alpha val="100000"/>
+          </a:schemeClr>
+        </a:fillRef>
+        <a:effectRef idx="0">
+          <a:scrgbClr r="0" g="0" b="0"/>
+        </a:effectRef>
+        <a:fontRef idx="minor">
+          <a:schemeClr val="lt1"/>
+        </a:fontRef>
+      </dsp:style>
+      <dsp:txXfrm>
+        <a:off x="2340008" y="2443998"/>
+        <a:ext cx="453457" cy="530459"/>
+      </dsp:txXfrm>
+    </dsp:sp>
+    <dsp:sp modelId="{552FB8E7-A5FB-4CC3-94C3-CE0BDF19F9F1}">
+      <dsp:nvSpPr>
+        <dsp:cNvPr id="6" name="Rounded Rectangle 5"/>
+        <dsp:cNvSpPr/>
+      </dsp:nvSpPr>
+      <dsp:spPr bwMode="white">
+        <a:xfrm>
+          <a:off x="2994526" y="1761808"/>
+          <a:ext cx="2138947" cy="1894840"/>
+        </a:xfrm>
+        <a:prstGeom prst="roundRect">
+          <a:avLst>
+            <a:gd name="adj" fmla="val 10000"/>
+          </a:avLst>
+        </a:prstGeom>
+      </dsp:spPr>
+      <dsp:style>
+        <a:lnRef idx="2">
+          <a:schemeClr val="lt1"/>
+        </a:lnRef>
+        <a:fillRef idx="1">
+          <a:schemeClr val="accent5">
+            <a:shade val="50000"/>
+            <a:hueOff val="80000"/>
+            <a:satOff val="34771"/>
+            <a:lumOff val="20131"/>
+            <a:alpha val="100000"/>
+          </a:schemeClr>
+        </a:fillRef>
+        <a:effectRef idx="0">
+          <a:scrgbClr r="0" g="0" b="0"/>
+        </a:effectRef>
+        <a:fontRef idx="minor">
+          <a:schemeClr val="lt1"/>
+        </a:fontRef>
+      </dsp:style>
+      <dsp:txBody>
+        <a:bodyPr vert="horz" wrap="square" lIns="68580" tIns="68580" rIns="68580" bIns="68580" anchor="ctr"/>
+        <a:lstStyle>
+          <a:lvl1pPr algn="ctr">
+            <a:defRPr sz="1800"/>
+          </a:lvl1pPr>
+          <a:lvl2pPr marL="114300" indent="-114300" algn="ctr">
+            <a:defRPr sz="1400"/>
+          </a:lvl2pPr>
+          <a:lvl3pPr marL="228600" indent="-114300" algn="ctr">
+            <a:defRPr sz="1400"/>
+          </a:lvl3pPr>
+          <a:lvl4pPr marL="342900" indent="-114300" algn="ctr">
+            <a:defRPr sz="1400"/>
+          </a:lvl4pPr>
+          <a:lvl5pPr marL="457200" indent="-114300" algn="ctr">
+            <a:defRPr sz="1400"/>
+          </a:lvl5pPr>
+          <a:lvl6pPr marL="571500" indent="-114300" algn="ctr">
+            <a:defRPr sz="1400"/>
+          </a:lvl6pPr>
+          <a:lvl7pPr marL="685800" indent="-114300" algn="ctr">
+            <a:defRPr sz="1400"/>
+          </a:lvl7pPr>
+          <a:lvl8pPr marL="800100" indent="-114300" algn="ctr">
+            <a:defRPr sz="1400"/>
+          </a:lvl8pPr>
+          <a:lvl9pPr marL="914400" indent="-114300" algn="ctr">
+            <a:defRPr sz="1400"/>
+          </a:lvl9pPr>
+        </a:lstStyle>
+        <a:p>
+          <a:pPr lvl="0">
+            <a:lnSpc>
+              <a:spcPct val="100000"/>
+            </a:lnSpc>
+            <a:spcBef>
+              <a:spcPct val="0"/>
+            </a:spcBef>
+            <a:spcAft>
+              <a:spcPct val="35000"/>
+            </a:spcAft>
+          </a:pPr>
+          <a:r>
+            <a:rPr lang="en-IN" altLang="en-US"/>
+            <a:t>Finding neighborhoods with no restaurants offering the same cuisine</a:t>
+          </a:r>
+          <a:endParaRPr lang="en-IN" altLang="en-US"/>
+        </a:p>
+      </dsp:txBody>
+      <dsp:txXfrm>
+        <a:off x="2994526" y="1761808"/>
+        <a:ext cx="2138947" cy="1894840"/>
+      </dsp:txXfrm>
+    </dsp:sp>
+    <dsp:sp modelId="{353C3794-50AA-4D44-83C9-CE28317C3317}">
+      <dsp:nvSpPr>
+        <dsp:cNvPr id="7" name="Right Arrow 6"/>
+        <dsp:cNvSpPr/>
+      </dsp:nvSpPr>
+      <dsp:spPr bwMode="white">
+        <a:xfrm>
+          <a:off x="5334535" y="2443998"/>
+          <a:ext cx="453457" cy="530459"/>
+        </a:xfrm>
+        <a:prstGeom prst="rightArrow">
+          <a:avLst>
+            <a:gd name="adj1" fmla="val 60000"/>
+            <a:gd name="adj2" fmla="val 50000"/>
+          </a:avLst>
+        </a:prstGeom>
+      </dsp:spPr>
+      <dsp:style>
+        <a:lnRef idx="0">
+          <a:schemeClr val="accent5">
+            <a:shade val="90000"/>
+            <a:hueOff val="60000"/>
+            <a:satOff val="15686"/>
+            <a:lumOff val="11373"/>
+            <a:alpha val="100000"/>
+          </a:schemeClr>
+        </a:lnRef>
+        <a:fillRef idx="1">
+          <a:schemeClr val="accent5">
+            <a:shade val="90000"/>
+            <a:hueOff val="60000"/>
+            <a:satOff val="15686"/>
+            <a:lumOff val="11373"/>
+            <a:alpha val="100000"/>
+          </a:schemeClr>
+        </a:fillRef>
+        <a:effectRef idx="0">
+          <a:scrgbClr r="0" g="0" b="0"/>
+        </a:effectRef>
+        <a:fontRef idx="minor">
+          <a:schemeClr val="lt1"/>
+        </a:fontRef>
+      </dsp:style>
+      <dsp:txXfrm>
+        <a:off x="5334535" y="2443998"/>
+        <a:ext cx="453457" cy="530459"/>
+      </dsp:txXfrm>
+    </dsp:sp>
+    <dsp:sp modelId="{A1E15D63-E1FF-4A28-A04F-A2B65927BC31}">
+      <dsp:nvSpPr>
+        <dsp:cNvPr id="9" name="Rounded Rectangle 8"/>
+        <dsp:cNvSpPr/>
+      </dsp:nvSpPr>
+      <dsp:spPr bwMode="white">
+        <a:xfrm>
+          <a:off x="5989053" y="1761808"/>
+          <a:ext cx="2138947" cy="1894840"/>
+        </a:xfrm>
+        <a:prstGeom prst="roundRect">
+          <a:avLst>
+            <a:gd name="adj" fmla="val 10000"/>
+          </a:avLst>
+        </a:prstGeom>
+      </dsp:spPr>
+      <dsp:style>
+        <a:lnRef idx="2">
+          <a:schemeClr val="lt1"/>
+        </a:lnRef>
+        <a:fillRef idx="1">
+          <a:schemeClr val="accent5">
+            <a:tint val="55000"/>
+            <a:hueOff val="-40000"/>
+            <a:satOff val="-17385"/>
+            <a:lumOff val="-10064"/>
+            <a:alpha val="100000"/>
+          </a:schemeClr>
+        </a:fillRef>
+        <a:effectRef idx="0">
+          <a:scrgbClr r="0" g="0" b="0"/>
+        </a:effectRef>
+        <a:fontRef idx="minor">
+          <a:schemeClr val="lt1"/>
+        </a:fontRef>
+      </dsp:style>
+      <dsp:txBody>
+        <a:bodyPr vert="horz" wrap="square" lIns="68580" tIns="68580" rIns="68580" bIns="68580" anchor="ctr"/>
+        <a:lstStyle>
+          <a:lvl1pPr algn="ctr">
+            <a:defRPr sz="1800"/>
+          </a:lvl1pPr>
+          <a:lvl2pPr marL="114300" indent="-114300" algn="ctr">
+            <a:defRPr sz="1400"/>
+          </a:lvl2pPr>
+          <a:lvl3pPr marL="228600" indent="-114300" algn="ctr">
+            <a:defRPr sz="1400"/>
+          </a:lvl3pPr>
+          <a:lvl4pPr marL="342900" indent="-114300" algn="ctr">
+            <a:defRPr sz="1400"/>
+          </a:lvl4pPr>
+          <a:lvl5pPr marL="457200" indent="-114300" algn="ctr">
+            <a:defRPr sz="1400"/>
+          </a:lvl5pPr>
+          <a:lvl6pPr marL="571500" indent="-114300" algn="ctr">
+            <a:defRPr sz="1400"/>
+          </a:lvl6pPr>
+          <a:lvl7pPr marL="685800" indent="-114300" algn="ctr">
+            <a:defRPr sz="1400"/>
+          </a:lvl7pPr>
+          <a:lvl8pPr marL="800100" indent="-114300" algn="ctr">
+            <a:defRPr sz="1400"/>
+          </a:lvl8pPr>
+          <a:lvl9pPr marL="914400" indent="-114300" algn="ctr">
+            <a:defRPr sz="1400"/>
+          </a:lvl9pPr>
+        </a:lstStyle>
+        <a:p>
+          <a:pPr lvl="0">
+            <a:lnSpc>
+              <a:spcPct val="100000"/>
+            </a:lnSpc>
+            <a:spcBef>
+              <a:spcPct val="0"/>
+            </a:spcBef>
+            <a:spcAft>
+              <a:spcPct val="35000"/>
+            </a:spcAft>
+          </a:pPr>
+          <a:r>
+            <a:rPr lang="en-IN" altLang="en-US"/>
+            <a:t>Further, forming a dataframe of all the optimum neighborhoods.</a:t>
+          </a:r>
+          <a:endParaRPr lang="en-IN" altLang="en-US"/>
+        </a:p>
+      </dsp:txBody>
+      <dsp:txXfrm>
+        <a:off x="5989053" y="1761808"/>
+        <a:ext cx="2138947" cy="1894840"/>
+      </dsp:txXfrm>
+    </dsp:sp>
+    <dsp:sp modelId="{5FA465F6-7607-499F-BFB2-52F4E071FB67}">
+      <dsp:nvSpPr>
+        <dsp:cNvPr id="5" name="Right Arrow 4"/>
+        <dsp:cNvSpPr/>
+      </dsp:nvSpPr>
+      <dsp:spPr bwMode="white">
+        <a:xfrm>
+          <a:off x="2340008" y="2443998"/>
+          <a:ext cx="453457" cy="530459"/>
+        </a:xfrm>
+        <a:prstGeom prst="rightArrow">
+          <a:avLst>
+            <a:gd name="adj1" fmla="val 60000"/>
+            <a:gd name="adj2" fmla="val 50000"/>
+          </a:avLst>
+        </a:prstGeom>
+        <a:noFill/>
+        <a:ln>
+          <a:noFill/>
+        </a:ln>
+      </dsp:spPr>
+      <dsp:style>
+        <a:lnRef idx="2">
+          <a:schemeClr val="lt1"/>
+        </a:lnRef>
+        <a:fillRef idx="1">
+          <a:schemeClr val="accent5">
+            <a:shade val="60000"/>
+          </a:schemeClr>
+        </a:fillRef>
+        <a:effectRef idx="0">
+          <a:scrgbClr r="0" g="0" b="0"/>
+        </a:effectRef>
+        <a:fontRef idx="minor">
+          <a:schemeClr val="lt1"/>
+        </a:fontRef>
+      </dsp:style>
+      <dsp:txBody>
+        <a:bodyPr lIns="0" tIns="0" rIns="0" bIns="0" anchor="ctr"/>
+        <a:lstStyle>
+          <a:lvl1pPr algn="ctr">
+            <a:defRPr sz="5500"/>
+          </a:lvl1pPr>
+          <a:lvl2pPr marL="285750" indent="-285750" algn="ctr">
+            <a:defRPr sz="4200"/>
+          </a:lvl2pPr>
+          <a:lvl3pPr marL="571500" indent="-285750" algn="ctr">
+            <a:defRPr sz="4200"/>
+          </a:lvl3pPr>
+          <a:lvl4pPr marL="857250" indent="-285750" algn="ctr">
+            <a:defRPr sz="4200"/>
+          </a:lvl4pPr>
+          <a:lvl5pPr marL="1143000" indent="-285750" algn="ctr">
+            <a:defRPr sz="4200"/>
+          </a:lvl5pPr>
+          <a:lvl6pPr marL="1428750" indent="-285750" algn="ctr">
+            <a:defRPr sz="4200"/>
+          </a:lvl6pPr>
+          <a:lvl7pPr marL="1714500" indent="-285750" algn="ctr">
+            <a:defRPr sz="4200"/>
+          </a:lvl7pPr>
+          <a:lvl8pPr marL="2000250" indent="-285750" algn="ctr">
+            <a:defRPr sz="4200"/>
+          </a:lvl8pPr>
+          <a:lvl9pPr marL="2286000" indent="-285750" algn="ctr">
+            <a:defRPr sz="4200"/>
+          </a:lvl9pPr>
+        </a:lstStyle>
+        <a:p>
+          <a:pPr lvl="0">
+            <a:lnSpc>
+              <a:spcPct val="100000"/>
+            </a:lnSpc>
+            <a:spcBef>
+              <a:spcPct val="0"/>
+            </a:spcBef>
+            <a:spcAft>
+              <a:spcPct val="35000"/>
+            </a:spcAft>
+          </a:pPr>
+          <a:endParaRPr lang="en-US"/>
+        </a:p>
+      </dsp:txBody>
+      <dsp:txXfrm>
+        <a:off x="2340008" y="2443998"/>
+        <a:ext cx="453457" cy="530459"/>
+      </dsp:txXfrm>
+    </dsp:sp>
+    <dsp:sp modelId="{5AFF040D-0639-4120-9E39-DA822CF9F321}">
+      <dsp:nvSpPr>
+        <dsp:cNvPr id="8" name="Right Arrow 7"/>
+        <dsp:cNvSpPr/>
+      </dsp:nvSpPr>
+      <dsp:spPr bwMode="white">
+        <a:xfrm>
+          <a:off x="5334535" y="2443998"/>
+          <a:ext cx="453457" cy="530459"/>
+        </a:xfrm>
+        <a:prstGeom prst="rightArrow">
+          <a:avLst>
+            <a:gd name="adj1" fmla="val 60000"/>
+            <a:gd name="adj2" fmla="val 50000"/>
+          </a:avLst>
+        </a:prstGeom>
+        <a:noFill/>
+        <a:ln>
+          <a:noFill/>
+        </a:ln>
+      </dsp:spPr>
+      <dsp:style>
+        <a:lnRef idx="2">
+          <a:schemeClr val="lt1"/>
+        </a:lnRef>
+        <a:fillRef idx="1">
+          <a:schemeClr val="accent5">
+            <a:shade val="60000"/>
+          </a:schemeClr>
+        </a:fillRef>
+        <a:effectRef idx="0">
+          <a:scrgbClr r="0" g="0" b="0"/>
+        </a:effectRef>
+        <a:fontRef idx="minor">
+          <a:schemeClr val="lt1"/>
+        </a:fontRef>
+      </dsp:style>
+      <dsp:txBody>
+        <a:bodyPr lIns="0" tIns="0" rIns="0" bIns="0" anchor="ctr"/>
+        <a:lstStyle>
+          <a:lvl1pPr algn="ctr">
+            <a:defRPr sz="5500"/>
+          </a:lvl1pPr>
+          <a:lvl2pPr marL="285750" indent="-285750" algn="ctr">
+            <a:defRPr sz="4200"/>
+          </a:lvl2pPr>
+          <a:lvl3pPr marL="571500" indent="-285750" algn="ctr">
+            <a:defRPr sz="4200"/>
+          </a:lvl3pPr>
+          <a:lvl4pPr marL="857250" indent="-285750" algn="ctr">
+            <a:defRPr sz="4200"/>
+          </a:lvl4pPr>
+          <a:lvl5pPr marL="1143000" indent="-285750" algn="ctr">
+            <a:defRPr sz="4200"/>
+          </a:lvl5pPr>
+          <a:lvl6pPr marL="1428750" indent="-285750" algn="ctr">
+            <a:defRPr sz="4200"/>
+          </a:lvl6pPr>
+          <a:lvl7pPr marL="1714500" indent="-285750" algn="ctr">
+            <a:defRPr sz="4200"/>
+          </a:lvl7pPr>
+          <a:lvl8pPr marL="2000250" indent="-285750" algn="ctr">
+            <a:defRPr sz="4200"/>
+          </a:lvl8pPr>
+          <a:lvl9pPr marL="2286000" indent="-285750" algn="ctr">
+            <a:defRPr sz="4200"/>
+          </a:lvl9pPr>
+        </a:lstStyle>
+        <a:p>
+          <a:pPr lvl="0">
+            <a:lnSpc>
+              <a:spcPct val="100000"/>
+            </a:lnSpc>
+            <a:spcBef>
+              <a:spcPct val="0"/>
+            </a:spcBef>
+            <a:spcAft>
+              <a:spcPct val="35000"/>
+            </a:spcAft>
+          </a:pPr>
+          <a:endParaRPr lang="en-US"/>
+        </a:p>
+      </dsp:txBody>
+      <dsp:txXfrm>
+        <a:off x="5334535" y="2443998"/>
+        <a:ext cx="453457" cy="530459"/>
+      </dsp:txXfrm>
+    </dsp:sp>
+  </dsp:spTree>
+</dsp:drawing>
+</file>
+
+<file path=ppt/diagrams/layout1.xml><?xml version="1.0" encoding="utf-8"?>
+<dgm:layoutDef xmlns:dgm="http://schemas.openxmlformats.org/drawingml/2006/diagram" xmlns:a="http://schemas.openxmlformats.org/drawingml/2006/main" uniqueId="urn:microsoft.com/office/officeart/2005/8/layout/process1">
+  <dgm:title val=""/>
+  <dgm:desc val=""/>
+  <dgm:catLst>
+    <dgm:cat type="process" pri="1000"/>
+    <dgm:cat type="convert" pri="15000"/>
+  </dgm:catLst>
+  <dgm:sampData useDef="1">
+    <dgm:dataModel>
+      <dgm:ptLst/>
+      <dgm:bg/>
+      <dgm:whole/>
+    </dgm:dataModel>
+  </dgm:sampData>
+  <dgm:styleData>
+    <dgm:dataModel>
+      <dgm:ptLst>
+        <dgm:pt modelId="0" type="doc">
+          <dgm:prSet qsTypeId="urn:microsoft.com/office/officeart/2005/8/quickstyle/simple5"/>
+        </dgm:pt>
+        <dgm:pt modelId="1"/>
+        <dgm:pt modelId="2"/>
+      </dgm:ptLst>
+      <dgm:cxnLst>
+        <dgm:cxn modelId="3" srcId="0" destId="1" srcOrd="0" destOrd="0"/>
+        <dgm:cxn modelId="4" srcId="0" destId="2" srcOrd="1" destOrd="0"/>
+      </dgm:cxnLst>
+      <dgm:bg/>
+      <dgm:whole/>
+    </dgm:dataModel>
+  </dgm:styleData>
+  <dgm:clrData>
+    <dgm:dataModel>
+      <dgm:ptLst>
+        <dgm:pt modelId="0" type="doc">
+          <dgm:prSet csTypeId="urn:microsoft.com/office/officeart/2005/8/colors/accent6_5"/>
+        </dgm:pt>
+        <dgm:pt modelId="1"/>
+        <dgm:pt modelId="2"/>
+        <dgm:pt modelId="3"/>
+        <dgm:pt modelId="4"/>
+      </dgm:ptLst>
+      <dgm:cxnLst>
+        <dgm:cxn modelId="5" srcId="0" destId="1" srcOrd="0" destOrd="0"/>
+        <dgm:cxn modelId="6" srcId="0" destId="2" srcOrd="1" destOrd="0"/>
+        <dgm:cxn modelId="7" srcId="0" destId="3" srcOrd="2" destOrd="0"/>
+        <dgm:cxn modelId="8" srcId="0" destId="4" srcOrd="3" destOrd="0"/>
+      </dgm:cxnLst>
+      <dgm:bg/>
+      <dgm:whole/>
+    </dgm:dataModel>
+  </dgm:clrData>
+  <dgm:layoutNode name="Name0">
+    <dgm:varLst>
+      <dgm:dir/>
+      <dgm:resizeHandles val="exact"/>
+    </dgm:varLst>
+    <dgm:choose name="Name1">
+      <dgm:if name="Name2" func="var" arg="dir" op="equ" val="norm">
+        <dgm:alg type="lin"/>
+      </dgm:if>
+      <dgm:else name="Name3">
+        <dgm:alg type="lin">
+          <dgm:param type="linDir" val="fromR"/>
+        </dgm:alg>
+      </dgm:else>
+    </dgm:choose>
+    <dgm:shape xmlns:r="http://schemas.openxmlformats.org/officeDocument/2006/relationships" r:blip="">
+      <dgm:adjLst/>
+    </dgm:shape>
+    <dgm:presOf/>
+    <dgm:constrLst>
+      <dgm:constr type="w" for="ch" ptType="node" refType="w"/>
+      <dgm:constr type="h" for="ch" ptType="node" op="equ"/>
+      <dgm:constr type="primFontSz" for="ch" ptType="node" op="equ" val="65"/>
+      <dgm:constr type="w" for="ch" ptType="sibTrans" refType="w" refFor="ch" refPtType="node" op="equ" fact="0.4"/>
+      <dgm:constr type="h" for="ch" ptType="sibTrans" op="equ"/>
+      <dgm:constr type="primFontSz" for="des" forName="connectorText" op="equ" val="55"/>
+      <dgm:constr type="primFontSz" for="des" forName="connectorText" refType="primFontSz" refFor="ch" refPtType="node" op="lte" fact="0.8"/>
+    </dgm:constrLst>
+    <dgm:ruleLst/>
+    <dgm:forEach name="nodesForEach" axis="ch" ptType="node">
+      <dgm:layoutNode name="node">
+        <dgm:varLst>
+          <dgm:bulletEnabled val="1"/>
+        </dgm:varLst>
+        <dgm:alg type="tx"/>
+        <dgm:shape xmlns:r="http://schemas.openxmlformats.org/officeDocument/2006/relationships" type="roundRect" r:blip="">
+          <dgm:adjLst>
+            <dgm:adj idx="1" val="0.1"/>
+          </dgm:adjLst>
+        </dgm:shape>
+        <dgm:presOf axis="desOrSelf" ptType="node"/>
+        <dgm:constrLst>
+          <dgm:constr type="h" refType="w" fact="0.6"/>
+          <dgm:constr type="tMarg" refType="primFontSz" fact="0.3"/>
+          <dgm:constr type="bMarg" refType="primFontSz" fact="0.3"/>
+          <dgm:constr type="lMarg" refType="primFontSz" fact="0.3"/>
+          <dgm:constr type="rMarg" refType="primFontSz" fact="0.3"/>
+        </dgm:constrLst>
+        <dgm:ruleLst>
+          <dgm:rule type="primFontSz" val="18" fact="NaN" max="NaN"/>
+          <dgm:rule type="h" val="NaN" fact="1.5" max="NaN"/>
+          <dgm:rule type="primFontSz" val="5" fact="NaN" max="NaN"/>
+          <dgm:rule type="h" val="INF" fact="NaN" max="NaN"/>
+        </dgm:ruleLst>
+      </dgm:layoutNode>
+      <dgm:forEach name="sibTransForEach" axis="followSib" ptType="sibTrans" cnt="1">
+        <dgm:layoutNode name="sibTrans">
+          <dgm:alg type="conn">
+            <dgm:param type="begPts" val="auto"/>
+            <dgm:param type="endPts" val="auto"/>
+          </dgm:alg>
+          <dgm:shape xmlns:r="http://schemas.openxmlformats.org/officeDocument/2006/relationships" type="conn" r:blip="">
+            <dgm:adjLst/>
+          </dgm:shape>
+          <dgm:presOf axis="self"/>
+          <dgm:constrLst>
+            <dgm:constr type="h" refType="w" fact="0.62"/>
+            <dgm:constr type="connDist"/>
+            <dgm:constr type="begPad" refType="connDist" fact="0.25"/>
+            <dgm:constr type="endPad" refType="connDist" fact="0.22"/>
+          </dgm:constrLst>
+          <dgm:ruleLst/>
+          <dgm:layoutNode name="connectorText">
+            <dgm:alg type="tx">
+              <dgm:param type="autoTxRot" val="grav"/>
+            </dgm:alg>
+            <dgm:shape xmlns:r="http://schemas.openxmlformats.org/officeDocument/2006/relationships" type="conn" r:blip="" hideGeom="1">
+              <dgm:adjLst/>
+            </dgm:shape>
+            <dgm:presOf axis="self"/>
+            <dgm:constrLst>
+              <dgm:constr type="lMarg"/>
+              <dgm:constr type="rMarg"/>
+              <dgm:constr type="tMarg"/>
+              <dgm:constr type="bMarg"/>
+            </dgm:constrLst>
+            <dgm:ruleLst>
+              <dgm:rule type="primFontSz" val="5" fact="NaN" max="NaN"/>
+            </dgm:ruleLst>
+          </dgm:layoutNode>
+        </dgm:layoutNode>
+      </dgm:forEach>
+    </dgm:forEach>
+  </dgm:layoutNode>
+</dgm:layoutDef>
+</file>
+
+<file path=ppt/diagrams/quickStyle1.xml><?xml version="1.0" encoding="utf-8"?>
+<dgm:styleDef xmlns:dgm="http://schemas.openxmlformats.org/drawingml/2006/diagram" xmlns:a="http://schemas.openxmlformats.org/drawingml/2006/main" uniqueId="urn:microsoft.com/office/officeart/2005/8/quickstyle/simple1">
+  <dgm:title val=""/>
+  <dgm:desc val=""/>
+  <dgm:catLst>
+    <dgm:cat type="simple" pri="10100"/>
+  </dgm:catLst>
+  <dgm:scene3d>
+    <a:camera prst="orthographicFront"/>
+    <a:lightRig rig="threePt" dir="t"/>
+  </dgm:scene3d>
+  <dgm:styleLbl name="alignAcc1">
+    <dgm:scene3d>
+      <a:camera prst="orthographicFront"/>
+      <a:lightRig rig="threePt" dir="t"/>
+    </dgm:scene3d>
+    <dgm:txPr/>
+    <dgm:style>
+      <a:lnRef idx="2">
+        <a:scrgbClr r="0" g="0" b="0"/>
+      </a:lnRef>
+      <a:fillRef idx="1">
+        <a:scrgbClr r="0" g="0" b="0"/>
+      </a:fillRef>
+      <a:effectRef idx="0">
+        <a:scrgbClr r="0" g="0" b="0"/>
+      </a:effectRef>
+      <a:fontRef idx="minor"/>
+    </dgm:style>
+  </dgm:styleLbl>
+  <dgm:styleLbl name="alignAccFollowNode1">
+    <dgm:scene3d>
+      <a:camera prst="orthographicFront"/>
+      <a:lightRig rig="threePt" dir="t"/>
+    </dgm:scene3d>
+    <dgm:txPr/>
+    <dgm:style>
+      <a:lnRef idx="2">
+        <a:scrgbClr r="0" g="0" b="0"/>
+      </a:lnRef>
+      <a:fillRef idx="1">
+        <a:scrgbClr r="0" g="0" b="0"/>
+      </a:fillRef>
+      <a:effectRef idx="0">
+        <a:scrgbClr r="0" g="0" b="0"/>
+      </a:effectRef>
+      <a:fontRef idx="minor"/>
+    </dgm:style>
+  </dgm:styleLbl>
+  <dgm:styleLbl name="alignImgPlace1">
+    <dgm:scene3d>
+      <a:camera prst="orthographicFront"/>
+      <a:lightRig rig="threePt" dir="t"/>
+    </dgm:scene3d>
+    <dgm:txPr/>
+    <dgm:style>
+      <a:lnRef idx="2">
+        <a:scrgbClr r="0" g="0" b="0"/>
+      </a:lnRef>
+      <a:fillRef idx="1">
+        <a:scrgbClr r="0" g="0" b="0"/>
+      </a:fillRef>
+      <a:effectRef idx="0">
+        <a:scrgbClr r="0" g="0" b="0"/>
+      </a:effectRef>
+      <a:fontRef idx="minor"/>
+    </dgm:style>
+  </dgm:styleLbl>
+  <dgm:styleLbl name="alignNode1">
+    <dgm:scene3d>
+      <a:camera prst="orthographicFront"/>
+      <a:lightRig rig="threePt" dir="t"/>
+    </dgm:scene3d>
+    <dgm:txPr/>
+    <dgm:style>
+      <a:lnRef idx="2">
+        <a:scrgbClr r="0" g="0" b="0"/>
+      </a:lnRef>
+      <a:fillRef idx="1">
+        <a:scrgbClr r="0" g="0" b="0"/>
+      </a:fillRef>
+      <a:effectRef idx="0">
+        <a:scrgbClr r="0" g="0" b="0"/>
+      </a:effectRef>
+      <a:fontRef idx="minor">
+        <a:schemeClr val="lt1"/>
+      </a:fontRef>
+    </dgm:style>
+  </dgm:styleLbl>
+  <dgm:styleLbl name="asst0">
+    <dgm:scene3d>
+      <a:camera prst="orthographicFront"/>
+      <a:lightRig rig="threePt" dir="t"/>
+    </dgm:scene3d>
+    <dgm:txPr/>
+    <dgm:style>
+      <a:lnRef idx="2">
+        <a:scrgbClr r="0" g="0" b="0"/>
+      </a:lnRef>
+      <a:fillRef idx="1">
+        <a:scrgbClr r="0" g="0" b="0"/>
+      </a:fillRef>
+      <a:effectRef idx="0">
+        <a:scrgbClr r="0" g="0" b="0"/>
+      </a:effectRef>
+      <a:fontRef idx="minor">
+        <a:schemeClr val="lt1"/>
+      </a:fontRef>
+    </dgm:style>
+  </dgm:styleLbl>
+  <dgm:styleLbl name="asst1">
+    <dgm:scene3d>
+      <a:camera prst="orthographicFront"/>
+      <a:lightRig rig="threePt" dir="t"/>
+    </dgm:scene3d>
+    <dgm:txPr/>
+    <dgm:style>
+      <a:lnRef idx="2">
+        <a:scrgbClr r="0" g="0" b="0"/>
+      </a:lnRef>
+      <a:fillRef idx="1">
+        <a:scrgbClr r="0" g="0" b="0"/>
+      </a:fillRef>
+      <a:effectRef idx="0">
+        <a:scrgbClr r="0" g="0" b="0"/>
+      </a:effectRef>
+      <a:fontRef idx="minor">
+        <a:schemeClr val="lt1"/>
+      </a:fontRef>
+    </dgm:style>
+  </dgm:styleLbl>
+  <dgm:styleLbl name="asst2">
+    <dgm:scene3d>
+      <a:camera prst="orthographicFront"/>
+      <a:lightRig rig="threePt" dir="t"/>
+    </dgm:scene3d>
+    <dgm:txPr/>
+    <dgm:style>
+      <a:lnRef idx="2">
+        <a:scrgbClr r="0" g="0" b="0"/>
+      </a:lnRef>
+      <a:fillRef idx="1">
+        <a:scrgbClr r="0" g="0" b="0"/>
+      </a:fillRef>
+      <a:effectRef idx="0">
+        <a:scrgbClr r="0" g="0" b="0"/>
+      </a:effectRef>
+      <a:fontRef idx="minor">
+        <a:schemeClr val="lt1"/>
+      </a:fontRef>
+    </dgm:style>
+  </dgm:styleLbl>
+  <dgm:styleLbl name="asst3">
+    <dgm:scene3d>
+      <a:camera prst="orthographicFront"/>
+      <a:lightRig rig="threePt" dir="t"/>
+    </dgm:scene3d>
+    <dgm:txPr/>
+    <dgm:style>
+      <a:lnRef idx="2">
+        <a:scrgbClr r="0" g="0" b="0"/>
+      </a:lnRef>
+      <a:fillRef idx="1">
+        <a:scrgbClr r="0" g="0" b="0"/>
+      </a:fillRef>
+      <a:effectRef idx="0">
+        <a:scrgbClr r="0" g="0" b="0"/>
+      </a:effectRef>
+      <a:fontRef idx="minor">
+        <a:schemeClr val="lt1"/>
+      </a:fontRef>
+    </dgm:style>
+  </dgm:styleLbl>
+  <dgm:styleLbl name="asst4">
+    <dgm:scene3d>
+      <a:camera prst="orthographicFront"/>
+      <a:lightRig rig="threePt" dir="t"/>
+    </dgm:scene3d>
+    <dgm:txPr/>
+    <dgm:style>
+      <a:lnRef idx="2">
+        <a:scrgbClr r="0" g="0" b="0"/>
+      </a:lnRef>
+      <a:fillRef idx="1">
+        <a:scrgbClr r="0" g="0" b="0"/>
+      </a:fillRef>
+      <a:effectRef idx="0">
+        <a:scrgbClr r="0" g="0" b="0"/>
+      </a:effectRef>
+      <a:fontRef idx="minor">
+        <a:schemeClr val="lt1"/>
+      </a:fontRef>
+    </dgm:style>
+  </dgm:styleLbl>
+  <dgm:styleLbl name="bgAcc1">
+    <dgm:scene3d>
+      <a:camera prst="orthographicFront"/>
+      <a:lightRig rig="threePt" dir="t"/>
+    </dgm:scene3d>
+    <dgm:txPr/>
+    <dgm:style>
+      <a:lnRef idx="2">
+        <a:scrgbClr r="0" g="0" b="0"/>
+      </a:lnRef>
+      <a:fillRef idx="1">
+        <a:scrgbClr r="0" g="0" b="0"/>
+      </a:fillRef>
+      <a:effectRef idx="0">
+        <a:scrgbClr r="0" g="0" b="0"/>
+      </a:effectRef>
+      <a:fontRef idx="minor"/>
+    </dgm:style>
+  </dgm:styleLbl>
+  <dgm:styleLbl name="bgAccFollowNode1">
+    <dgm:scene3d>
+      <a:camera prst="orthographicFront"/>
+      <a:lightRig rig="threePt" dir="t"/>
+    </dgm:scene3d>
+    <dgm:txPr/>
+    <dgm:style>
+      <a:lnRef idx="2">
+        <a:scrgbClr r="0" g="0" b="0"/>
+      </a:lnRef>
+      <a:fillRef idx="1">
+        <a:scrgbClr r="0" g="0" b="0"/>
+      </a:fillRef>
+      <a:effectRef idx="0">
+        <a:scrgbClr r="0" g="0" b="0"/>
+      </a:effectRef>
+      <a:fontRef idx="minor"/>
+    </dgm:style>
+  </dgm:styleLbl>
+  <dgm:styleLbl name="bgImgPlace1">
+    <dgm:scene3d>
+      <a:camera prst="orthographicFront"/>
+      <a:lightRig rig="threePt" dir="t"/>
+    </dgm:scene3d>
+    <dgm:txPr/>
+    <dgm:style>
+      <a:lnRef idx="2">
+        <a:scrgbClr r="0" g="0" b="0"/>
+      </a:lnRef>
+      <a:fillRef idx="1">
+        <a:scrgbClr r="0" g="0" b="0"/>
+      </a:fillRef>
+      <a:effectRef idx="0">
+        <a:scrgbClr r="0" g="0" b="0"/>
+      </a:effectRef>
+      <a:fontRef idx="minor"/>
+    </dgm:style>
+  </dgm:styleLbl>
+  <dgm:styleLbl name="bgShp">
+    <dgm:scene3d>
+      <a:camera prst="orthographicFront"/>
+      <a:lightRig rig="threePt" dir="t"/>
+    </dgm:scene3d>
+    <dgm:txPr/>
+    <dgm:style>
+      <a:lnRef idx="0">
+        <a:scrgbClr r="0" g="0" b="0"/>
+      </a:lnRef>
+      <a:fillRef idx="1">
+        <a:scrgbClr r="0" g="0" b="0"/>
+      </a:fillRef>
+      <a:effectRef idx="0">
+        <a:scrgbClr r="0" g="0" b="0"/>
+      </a:effectRef>
+      <a:fontRef idx="minor"/>
+    </dgm:style>
+  </dgm:styleLbl>
+  <dgm:styleLbl name="bgSibTrans2D1">
+    <dgm:scene3d>
+      <a:camera prst="orthographicFront"/>
+      <a:lightRig rig="threePt" dir="t"/>
+    </dgm:scene3d>
+    <dgm:txPr/>
+    <dgm:style>
+      <a:lnRef idx="0">
+        <a:scrgbClr r="0" g="0" b="0"/>
+      </a:lnRef>
+      <a:fillRef idx="1">
+        <a:scrgbClr r="0" g="0" b="0"/>
+      </a:fillRef>
+      <a:effectRef idx="0">
+        <a:scrgbClr r="0" g="0" b="0"/>
+      </a:effectRef>
+      <a:fontRef idx="minor">
+        <a:schemeClr val="lt1"/>
+      </a:fontRef>
+    </dgm:style>
+  </dgm:styleLbl>
+  <dgm:styleLbl name="callout">
+    <dgm:scene3d>
+      <a:camera prst="orthographicFront"/>
+      <a:lightRig rig="threePt" dir="t"/>
+    </dgm:scene3d>
+    <dgm:txPr/>
+    <dgm:style>
+      <a:lnRef idx="2">
+        <a:scrgbClr r="0" g="0" b="0"/>
+      </a:lnRef>
+      <a:fillRef idx="1">
+        <a:scrgbClr r="0" g="0" b="0"/>
+      </a:fillRef>
+      <a:effectRef idx="0">
+        <a:scrgbClr r="0" g="0" b="0"/>
+      </a:effectRef>
+      <a:fontRef idx="minor"/>
+    </dgm:style>
+  </dgm:styleLbl>
+  <dgm:styleLbl name="conFgAcc1">
+    <dgm:scene3d>
+      <a:camera prst="orthographicFront"/>
+      <a:lightRig rig="threePt" dir="t"/>
+    </dgm:scene3d>
+    <dgm:txPr/>
+    <dgm:style>
+      <a:lnRef idx="2">
+        <a:scrgbClr r="0" g="0" b="0"/>
+      </a:lnRef>
+      <a:fillRef idx="1">
+        <a:scrgbClr r="0" g="0" b="0"/>
+      </a:fillRef>
+      <a:effectRef idx="0">
+        <a:scrgbClr r="0" g="0" b="0"/>
+      </a:effectRef>
+      <a:fontRef idx="minor"/>
+    </dgm:style>
+  </dgm:styleLbl>
+  <dgm:styleLbl name="dkBgShp">
+    <dgm:scene3d>
+      <a:camera prst="orthographicFront"/>
+      <a:lightRig rig="threePt" dir="t"/>
+    </dgm:scene3d>
+    <dgm:txPr/>
+    <dgm:style>
+      <a:lnRef idx="0">
+        <a:scrgbClr r="0" g="0" b="0"/>
+      </a:lnRef>
+      <a:fillRef idx="1">
+        <a:scrgbClr r="0" g="0" b="0"/>
+      </a:fillRef>
+      <a:effectRef idx="0">
+        <a:scrgbClr r="0" g="0" b="0"/>
+      </a:effectRef>
+      <a:fontRef idx="minor"/>
+    </dgm:style>
+  </dgm:styleLbl>
+  <dgm:styleLbl name="fgAcc0">
+    <dgm:scene3d>
+      <a:camera prst="orthographicFront"/>
+      <a:lightRig rig="threePt" dir="t"/>
+    </dgm:scene3d>
+    <dgm:txPr/>
+    <dgm:style>
+      <a:lnRef idx="2">
+        <a:scrgbClr r="0" g="0" b="0"/>
+      </a:lnRef>
+      <a:fillRef idx="1">
+        <a:scrgbClr r="0" g="0" b="0"/>
+      </a:fillRef>
+      <a:effectRef idx="0">
+        <a:scrgbClr r="0" g="0" b="0"/>
+      </a:effectRef>
+      <a:fontRef idx="minor"/>
+    </dgm:style>
+  </dgm:styleLbl>
+  <dgm:styleLbl name="fgAcc1">
+    <dgm:scene3d>
+      <a:camera prst="orthographicFront"/>
+      <a:lightRig rig="threePt" dir="t"/>
+    </dgm:scene3d>
+    <dgm:txPr/>
+    <dgm:style>
+      <a:lnRef idx="2">
+        <a:scrgbClr r="0" g="0" b="0"/>
+      </a:lnRef>
+      <a:fillRef idx="1">
+        <a:scrgbClr r="0" g="0" b="0"/>
+      </a:fillRef>
+      <a:effectRef idx="0">
+        <a:scrgbClr r="0" g="0" b="0"/>
+      </a:effectRef>
+      <a:fontRef idx="minor"/>
+    </dgm:style>
+  </dgm:styleLbl>
+  <dgm:styleLbl name="fgAcc2">
+    <dgm:scene3d>
+      <a:camera prst="orthographicFront"/>
+      <a:lightRig rig="threePt" dir="t"/>
+    </dgm:scene3d>
+    <dgm:txPr/>
+    <dgm:style>
+      <a:lnRef idx="2">
+        <a:scrgbClr r="0" g="0" b="0"/>
+      </a:lnRef>
+      <a:fillRef idx="1">
+        <a:scrgbClr r="0" g="0" b="0"/>
+      </a:fillRef>
+      <a:effectRef idx="0">
+        <a:scrgbClr r="0" g="0" b="0"/>
+      </a:effectRef>
+      <a:fontRef idx="minor"/>
+    </dgm:style>
+  </dgm:styleLbl>
+  <dgm:styleLbl name="fgAcc3">
+    <dgm:scene3d>
+      <a:camera prst="orthographicFront"/>
+      <a:lightRig rig="threePt" dir="t"/>
+    </dgm:scene3d>
+    <dgm:txPr/>
+    <dgm:style>
+      <a:lnRef idx="2">
+        <a:scrgbClr r="0" g="0" b="0"/>
+      </a:lnRef>
+      <a:fillRef idx="1">
+        <a:scrgbClr r="0" g="0" b="0"/>
+      </a:fillRef>
+      <a:effectRef idx="0">
+        <a:scrgbClr r="0" g="0" b="0"/>
+      </a:effectRef>
+      <a:fontRef idx="minor"/>
+    </dgm:style>
+  </dgm:styleLbl>
+  <dgm:styleLbl name="fgAcc4">
+    <dgm:scene3d>
+      <a:camera prst="orthographicFront"/>
+      <a:lightRig rig="threePt" dir="t"/>
+    </dgm:scene3d>
+    <dgm:txPr/>
+    <dgm:style>
+      <a:lnRef idx="2">
+        <a:scrgbClr r="0" g="0" b="0"/>
+      </a:lnRef>
+      <a:fillRef idx="1">
+        <a:scrgbClr r="0" g="0" b="0"/>
+      </a:fillRef>
+      <a:effectRef idx="0">
+        <a:scrgbClr r="0" g="0" b="0"/>
+      </a:effectRef>
+      <a:fontRef idx="minor"/>
+    </dgm:style>
+  </dgm:styleLbl>
+  <dgm:styleLbl name="fgAccFollowNode1">
+    <dgm:scene3d>
+      <a:camera prst="orthographicFront"/>
+      <a:lightRig rig="threePt" dir="t"/>
+    </dgm:scene3d>
+    <dgm:txPr/>
+    <dgm:style>
+      <a:lnRef idx="2">
+        <a:scrgbClr r="0" g="0" b="0"/>
+      </a:lnRef>
+      <a:fillRef idx="1">
+        <a:scrgbClr r="0" g="0" b="0"/>
+      </a:fillRef>
+      <a:effectRef idx="0">
+        <a:scrgbClr r="0" g="0" b="0"/>
+      </a:effectRef>
+      <a:fontRef idx="minor"/>
+    </dgm:style>
+  </dgm:styleLbl>
+  <dgm:styleLbl name="fgImgPlace1">
+    <dgm:scene3d>
+      <a:camera prst="orthographicFront"/>
+      <a:lightRig rig="threePt" dir="t"/>
+    </dgm:scene3d>
+    <dgm:txPr/>
+    <dgm:style>
+      <a:lnRef idx="2">
+        <a:scrgbClr r="0" g="0" b="0"/>
+      </a:lnRef>
+      <a:fillRef idx="1">
+        <a:scrgbClr r="0" g="0" b="0"/>
+      </a:fillRef>
+      <a:effectRef idx="0">
+        <a:scrgbClr r="0" g="0" b="0"/>
+      </a:effectRef>
+      <a:fontRef idx="minor"/>
+    </dgm:style>
+  </dgm:styleLbl>
+  <dgm:styleLbl name="fgShp">
+    <dgm:scene3d>
+      <a:camera prst="orthographicFront"/>
+      <a:lightRig rig="threePt" dir="t"/>
+    </dgm:scene3d>
+    <dgm:txPr/>
+    <dgm:style>
+      <a:lnRef idx="2">
+        <a:scrgbClr r="0" g="0" b="0"/>
+      </a:lnRef>
+      <a:fillRef idx="1">
+        <a:scrgbClr r="0" g="0" b="0"/>
+      </a:fillRef>
+      <a:effectRef idx="0">
+        <a:scrgbClr r="0" g="0" b="0"/>
+      </a:effectRef>
+      <a:fontRef idx="minor"/>
+    </dgm:style>
+  </dgm:styleLbl>
+  <dgm:styleLbl name="fgSibTrans2D1">
+    <dgm:scene3d>
+      <a:camera prst="orthographicFront"/>
+      <a:lightRig rig="threePt" dir="t"/>
+    </dgm:scene3d>
+    <dgm:txPr/>
+    <dgm:style>
+      <a:lnRef idx="0">
+        <a:scrgbClr r="0" g="0" b="0"/>
+      </a:lnRef>
+      <a:fillRef idx="1">
+        <a:scrgbClr r="0" g="0" b="0"/>
+      </a:fillRef>
+      <a:effectRef idx="0">
+        <a:scrgbClr r="0" g="0" b="0"/>
+      </a:effectRef>
+      <a:fontRef idx="minor">
+        <a:schemeClr val="lt1"/>
+      </a:fontRef>
+    </dgm:style>
+  </dgm:styleLbl>
+  <dgm:styleLbl name="lnNode1">
+    <dgm:scene3d>
+      <a:camera prst="orthographicFront"/>
+      <a:lightRig rig="threePt" dir="t"/>
+    </dgm:scene3d>
+    <dgm:txPr/>
+    <dgm:style>
+      <a:lnRef idx="2">
+        <a:scrgbClr r="0" g="0" b="0"/>
+      </a:lnRef>
+      <a:fillRef idx="1">
+        <a:scrgbClr r="0" g="0" b="0"/>
+      </a:fillRef>
+      <a:effectRef idx="0">
+        <a:scrgbClr r="0" g="0" b="0"/>
+      </a:effectRef>
+      <a:fontRef idx="minor">
+        <a:schemeClr val="lt1"/>
+      </a:fontRef>
+    </dgm:style>
+  </dgm:styleLbl>
+  <dgm:styleLbl name="node0">
+    <dgm:scene3d>
+      <a:camera prst="orthographicFront"/>
+      <a:lightRig rig="threePt" dir="t"/>
+    </dgm:scene3d>
+    <dgm:txPr/>
+    <dgm:style>
+      <a:lnRef idx="2">
+        <a:scrgbClr r="0" g="0" b="0"/>
+      </a:lnRef>
+      <a:fillRef idx="1">
+        <a:scrgbClr r="0" g="0" b="0"/>
+      </a:fillRef>
+      <a:effectRef idx="0">
+        <a:scrgbClr r="0" g="0" b="0"/>
+      </a:effectRef>
+      <a:fontRef idx="minor">
+        <a:schemeClr val="lt1"/>
+      </a:fontRef>
+    </dgm:style>
+  </dgm:styleLbl>
+  <dgm:styleLbl name="node1">
+    <dgm:scene3d>
+      <a:camera prst="orthographicFront"/>
+      <a:lightRig rig="threePt" dir="t"/>
+    </dgm:scene3d>
+    <dgm:txPr/>
+    <dgm:style>
+      <a:lnRef idx="2">
+        <a:scrgbClr r="0" g="0" b="0"/>
+      </a:lnRef>
+      <a:fillRef idx="1">
+        <a:scrgbClr r="0" g="0" b="0"/>
+      </a:fillRef>
+      <a:effectRef idx="0">
+        <a:scrgbClr r="0" g="0" b="0"/>
+      </a:effectRef>
+      <a:fontRef idx="minor">
+        <a:schemeClr val="lt1"/>
+      </a:fontRef>
+    </dgm:style>
+  </dgm:styleLbl>
+  <dgm:styleLbl name="node2">
+    <dgm:scene3d>
+      <a:camera prst="orthographicFront"/>
+      <a:lightRig rig="threePt" dir="t"/>
+    </dgm:scene3d>
+    <dgm:txPr/>
+    <dgm:style>
+      <a:lnRef idx="2">
+        <a:scrgbClr r="0" g="0" b="0"/>
+      </a:lnRef>
+      <a:fillRef idx="1">
+        <a:scrgbClr r="0" g="0" b="0"/>
+      </a:fillRef>
+      <a:effectRef idx="0">
+        <a:scrgbClr r="0" g="0" b="0"/>
+      </a:effectRef>
+      <a:fontRef idx="minor">
+        <a:schemeClr val="lt1"/>
+      </a:fontRef>
+    </dgm:style>
+  </dgm:styleLbl>
+  <dgm:styleLbl name="node3">
+    <dgm:scene3d>
+      <a:camera prst="orthographicFront"/>
+      <a:lightRig rig="threePt" dir="t"/>
+    </dgm:scene3d>
+    <dgm:txPr/>
+    <dgm:style>
+      <a:lnRef idx="2">
+        <a:scrgbClr r="0" g="0" b="0"/>
+      </a:lnRef>
+      <a:fillRef idx="1">
+        <a:scrgbClr r="0" g="0" b="0"/>
+      </a:fillRef>
+      <a:effectRef idx="0">
+        <a:scrgbClr r="0" g="0" b="0"/>
+      </a:effectRef>
+      <a:fontRef idx="minor">
+        <a:schemeClr val="lt1"/>
+      </a:fontRef>
+    </dgm:style>
+  </dgm:styleLbl>
+  <dgm:styleLbl name="node4">
+    <dgm:scene3d>
+      <a:camera prst="orthographicFront"/>
+      <a:lightRig rig="threePt" dir="t"/>
+    </dgm:scene3d>
+    <dgm:txPr/>
+    <dgm:style>
+      <a:lnRef idx="2">
+        <a:scrgbClr r="0" g="0" b="0"/>
+      </a:lnRef>
+      <a:fillRef idx="1">
+        <a:scrgbClr r="0" g="0" b="0"/>
+      </a:fillRef>
+      <a:effectRef idx="0">
+        <a:scrgbClr r="0" g="0" b="0"/>
+      </a:effectRef>
+      <a:fontRef idx="minor">
+        <a:schemeClr val="lt1"/>
+      </a:fontRef>
+    </dgm:style>
+  </dgm:styleLbl>
+  <dgm:styleLbl name="parChTrans1D1">
+    <dgm:scene3d>
+      <a:camera prst="orthographicFront"/>
+      <a:lightRig rig="threePt" dir="t"/>
+    </dgm:scene3d>
+    <dgm:txPr/>
+    <dgm:style>
+      <a:lnRef idx="2">
+        <a:scrgbClr r="0" g="0" b="0"/>
+      </a:lnRef>
+      <a:fillRef idx="0">
+        <a:scrgbClr r="0" g="0" b="0"/>
+      </a:fillRef>
+      <a:effectRef idx="0">
+        <a:scrgbClr r="0" g="0" b="0"/>
+      </a:effectRef>
+      <a:fontRef idx="minor"/>
+    </dgm:style>
+  </dgm:styleLbl>
+  <dgm:styleLbl name="parChTrans1D2">
+    <dgm:scene3d>
+      <a:camera prst="orthographicFront"/>
+      <a:lightRig rig="threePt" dir="t"/>
+    </dgm:scene3d>
+    <dgm:txPr/>
+    <dgm:style>
+      <a:lnRef idx="2">
+        <a:scrgbClr r="0" g="0" b="0"/>
+      </a:lnRef>
+      <a:fillRef idx="0">
+        <a:scrgbClr r="0" g="0" b="0"/>
+      </a:fillRef>
+      <a:effectRef idx="0">
+        <a:scrgbClr r="0" g="0" b="0"/>
+      </a:effectRef>
+      <a:fontRef idx="minor"/>
+    </dgm:style>
+  </dgm:styleLbl>
+  <dgm:styleLbl name="parChTrans1D3">
+    <dgm:scene3d>
+      <a:camera prst="orthographicFront"/>
+      <a:lightRig rig="threePt" dir="t"/>
+    </dgm:scene3d>
+    <dgm:txPr/>
+    <dgm:style>
+      <a:lnRef idx="2">
+        <a:scrgbClr r="0" g="0" b="0"/>
+      </a:lnRef>
+      <a:fillRef idx="0">
+        <a:scrgbClr r="0" g="0" b="0"/>
+      </a:fillRef>
+      <a:effectRef idx="0">
+        <a:scrgbClr r="0" g="0" b="0"/>
+      </a:effectRef>
+      <a:fontRef idx="minor"/>
+    </dgm:style>
+  </dgm:styleLbl>
+  <dgm:styleLbl name="parChTrans1D4">
+    <dgm:scene3d>
+      <a:camera prst="orthographicFront"/>
+      <a:lightRig rig="threePt" dir="t"/>
+    </dgm:scene3d>
+    <dgm:txPr/>
+    <dgm:style>
+      <a:lnRef idx="2">
+        <a:scrgbClr r="0" g="0" b="0"/>
+      </a:lnRef>
+      <a:fillRef idx="0">
+        <a:scrgbClr r="0" g="0" b="0"/>
+      </a:fillRef>
+      <a:effectRef idx="0">
+        <a:scrgbClr r="0" g="0" b="0"/>
+      </a:effectRef>
+      <a:fontRef idx="minor"/>
+    </dgm:style>
+  </dgm:styleLbl>
+  <dgm:styleLbl name="parChTrans2D1">
+    <dgm:scene3d>
+      <a:camera prst="orthographicFront"/>
+      <a:lightRig rig="threePt" dir="t"/>
+    </dgm:scene3d>
+    <dgm:txPr/>
+    <dgm:style>
+      <a:lnRef idx="2">
+        <a:scrgbClr r="0" g="0" b="0"/>
+      </a:lnRef>
+      <a:fillRef idx="1">
+        <a:scrgbClr r="0" g="0" b="0"/>
+      </a:fillRef>
+      <a:effectRef idx="0">
+        <a:scrgbClr r="0" g="0" b="0"/>
+      </a:effectRef>
+      <a:fontRef idx="minor">
+        <a:schemeClr val="lt1"/>
+      </a:fontRef>
+    </dgm:style>
+  </dgm:styleLbl>
+  <dgm:styleLbl name="parChTrans2D2">
+    <dgm:scene3d>
+      <a:camera prst="orthographicFront"/>
+      <a:lightRig rig="threePt" dir="t"/>
+    </dgm:scene3d>
+    <dgm:txPr/>
+    <dgm:style>
+      <a:lnRef idx="2">
+        <a:scrgbClr r="0" g="0" b="0"/>
+      </a:lnRef>
+      <a:fillRef idx="1">
+        <a:scrgbClr r="0" g="0" b="0"/>
+      </a:fillRef>
+      <a:effectRef idx="0">
+        <a:scrgbClr r="0" g="0" b="0"/>
+      </a:effectRef>
+      <a:fontRef idx="minor">
+        <a:schemeClr val="lt1"/>
+      </a:fontRef>
+    </dgm:style>
+  </dgm:styleLbl>
+  <dgm:styleLbl name="parChTrans2D3">
+    <dgm:scene3d>
+      <a:camera prst="orthographicFront"/>
+      <a:lightRig rig="threePt" dir="t"/>
+    </dgm:scene3d>
+    <dgm:txPr/>
+    <dgm:style>
+      <a:lnRef idx="2">
+        <a:scrgbClr r="0" g="0" b="0"/>
+      </a:lnRef>
+      <a:fillRef idx="1">
+        <a:scrgbClr r="0" g="0" b="0"/>
+      </a:fillRef>
+      <a:effectRef idx="0">
+        <a:scrgbClr r="0" g="0" b="0"/>
+      </a:effectRef>
+      <a:fontRef idx="minor">
+        <a:schemeClr val="lt1"/>
+      </a:fontRef>
+    </dgm:style>
+  </dgm:styleLbl>
+  <dgm:styleLbl name="parChTrans2D4">
+    <dgm:scene3d>
+      <a:camera prst="orthographicFront"/>
+      <a:lightRig rig="threePt" dir="t"/>
+    </dgm:scene3d>
+    <dgm:txPr/>
+    <dgm:style>
+      <a:lnRef idx="2">
+        <a:scrgbClr r="0" g="0" b="0"/>
+      </a:lnRef>
+      <a:fillRef idx="1">
+        <a:scrgbClr r="0" g="0" b="0"/>
+      </a:fillRef>
+      <a:effectRef idx="0">
+        <a:scrgbClr r="0" g="0" b="0"/>
+      </a:effectRef>
+      <a:fontRef idx="minor">
+        <a:schemeClr val="lt1"/>
+      </a:fontRef>
+    </dgm:style>
+  </dgm:styleLbl>
+  <dgm:styleLbl name="revTx">
+    <dgm:scene3d>
+      <a:camera prst="orthographicFront"/>
+      <a:lightRig rig="threePt" dir="t"/>
+    </dgm:scene3d>
+    <dgm:txPr/>
+    <dgm:style>
+      <a:lnRef idx="0">
+        <a:scrgbClr r="0" g="0" b="0"/>
+      </a:lnRef>
+      <a:fillRef idx="0">
+        <a:scrgbClr r="0" g="0" b="0"/>
+      </a:fillRef>
+      <a:effectRef idx="0">
+        <a:scrgbClr r="0" g="0" b="0"/>
+      </a:effectRef>
+      <a:fontRef idx="minor"/>
+    </dgm:style>
+  </dgm:styleLbl>
+  <dgm:styleLbl name="sibTrans1D1">
+    <dgm:scene3d>
+      <a:camera prst="orthographicFront"/>
+      <a:lightRig rig="threePt" dir="t"/>
+    </dgm:scene3d>
+    <dgm:txPr/>
+    <dgm:style>
+      <a:lnRef idx="1">
+        <a:scrgbClr r="0" g="0" b="0"/>
+      </a:lnRef>
+      <a:fillRef idx="0">
+        <a:scrgbClr r="0" g="0" b="0"/>
+      </a:fillRef>
+      <a:effectRef idx="0">
+        <a:scrgbClr r="0" g="0" b="0"/>
+      </a:effectRef>
+      <a:fontRef idx="minor"/>
+    </dgm:style>
+  </dgm:styleLbl>
+  <dgm:styleLbl name="sibTrans2D1">
+    <dgm:scene3d>
+      <a:camera prst="orthographicFront"/>
+      <a:lightRig rig="threePt" dir="t"/>
+    </dgm:scene3d>
+    <dgm:txPr/>
+    <dgm:style>
+      <a:lnRef idx="0">
+        <a:scrgbClr r="0" g="0" b="0"/>
+      </a:lnRef>
+      <a:fillRef idx="1">
+        <a:scrgbClr r="0" g="0" b="0"/>
+      </a:fillRef>
+      <a:effectRef idx="0">
+        <a:scrgbClr r="0" g="0" b="0"/>
+      </a:effectRef>
+      <a:fontRef idx="minor">
+        <a:schemeClr val="lt1"/>
+      </a:fontRef>
+    </dgm:style>
+  </dgm:styleLbl>
+  <dgm:styleLbl name="solidAlignAcc1">
+    <dgm:scene3d>
+      <a:camera prst="orthographicFront"/>
+      <a:lightRig rig="threePt" dir="t"/>
+    </dgm:scene3d>
+    <dgm:txPr/>
+    <dgm:style>
+      <a:lnRef idx="2">
+        <a:scrgbClr r="0" g="0" b="0"/>
+      </a:lnRef>
+      <a:fillRef idx="1">
+        <a:scrgbClr r="0" g="0" b="0"/>
+      </a:fillRef>
+      <a:effectRef idx="0">
+        <a:scrgbClr r="0" g="0" b="0"/>
+      </a:effectRef>
+      <a:fontRef idx="minor"/>
+    </dgm:style>
+  </dgm:styleLbl>
+  <dgm:styleLbl name="solidBgAcc1">
+    <dgm:scene3d>
+      <a:camera prst="orthographicFront"/>
+      <a:lightRig rig="threePt" dir="t"/>
+    </dgm:scene3d>
+    <dgm:txPr/>
+    <dgm:style>
+      <a:lnRef idx="2">
+        <a:scrgbClr r="0" g="0" b="0"/>
+      </a:lnRef>
+      <a:fillRef idx="1">
+        <a:scrgbClr r="0" g="0" b="0"/>
+      </a:fillRef>
+      <a:effectRef idx="0">
+        <a:scrgbClr r="0" g="0" b="0"/>
+      </a:effectRef>
+      <a:fontRef idx="minor"/>
+    </dgm:style>
+  </dgm:styleLbl>
+  <dgm:styleLbl name="solidFgAcc1">
+    <dgm:scene3d>
+      <a:camera prst="orthographicFront"/>
+      <a:lightRig rig="threePt" dir="t"/>
+    </dgm:scene3d>
+    <dgm:txPr/>
+    <dgm:style>
+      <a:lnRef idx="2">
+        <a:scrgbClr r="0" g="0" b="0"/>
+      </a:lnRef>
+      <a:fillRef idx="1">
+        <a:scrgbClr r="0" g="0" b="0"/>
+      </a:fillRef>
+      <a:effectRef idx="0">
+        <a:scrgbClr r="0" g="0" b="0"/>
+      </a:effectRef>
+      <a:fontRef idx="minor"/>
+    </dgm:style>
+  </dgm:styleLbl>
+  <dgm:styleLbl name="trAlignAcc1">
+    <dgm:scene3d>
+      <a:camera prst="orthographicFront"/>
+      <a:lightRig rig="threePt" dir="t"/>
+    </dgm:scene3d>
+    <dgm:txPr/>
+    <dgm:style>
+      <a:lnRef idx="1">
+        <a:scrgbClr r="0" g="0" b="0"/>
+      </a:lnRef>
+      <a:fillRef idx="1">
+        <a:scrgbClr r="0" g="0" b="0"/>
+      </a:fillRef>
+      <a:effectRef idx="0">
+        <a:scrgbClr r="0" g="0" b="0"/>
+      </a:effectRef>
+      <a:fontRef idx="minor"/>
+    </dgm:style>
+  </dgm:styleLbl>
+  <dgm:styleLbl name="trBgShp">
+    <dgm:scene3d>
+      <a:camera prst="orthographicFront"/>
+      <a:lightRig rig="threePt" dir="t"/>
+    </dgm:scene3d>
+    <dgm:txPr/>
+    <dgm:style>
+      <a:lnRef idx="0">
+        <a:scrgbClr r="0" g="0" b="0"/>
+      </a:lnRef>
+      <a:fillRef idx="1">
+        <a:scrgbClr r="0" g="0" b="0"/>
+      </a:fillRef>
+      <a:effectRef idx="0">
+        <a:scrgbClr r="0" g="0" b="0"/>
+      </a:effectRef>
+      <a:fontRef idx="minor"/>
+    </dgm:style>
+  </dgm:styleLbl>
+  <dgm:styleLbl name="vennNode1">
+    <dgm:scene3d>
+      <a:camera prst="orthographicFront"/>
+      <a:lightRig rig="threePt" dir="t"/>
+    </dgm:scene3d>
+    <dgm:txPr/>
+    <dgm:style>
+      <a:lnRef idx="2">
+        <a:scrgbClr r="0" g="0" b="0"/>
+      </a:lnRef>
+      <a:fillRef idx="1">
+        <a:scrgbClr r="0" g="0" b="0"/>
+      </a:fillRef>
+      <a:effectRef idx="0">
+        <a:scrgbClr r="0" g="0" b="0"/>
+      </a:effectRef>
+      <a:fontRef idx="minor">
+        <a:schemeClr val="tx1"/>
+      </a:fontRef>
+    </dgm:style>
+  </dgm:styleLbl>
+</dgm:styleDef>
 </file>
 
 <file path=ppt/slideLayouts/slideLayout1.xml><?xml version="1.0" encoding="utf-8"?>
@@ -3606,6 +6459,22 @@
           </a:p>
         </p:txBody>
       </p:sp>
+      <p:graphicFrame>
+        <p:nvGraphicFramePr>
+          <p:cNvPr id="4" name="Diagram 3"/>
+          <p:cNvGraphicFramePr/>
+          <p:nvPr/>
+        </p:nvGraphicFramePr>
+        <p:xfrm>
+          <a:off x="1638300" y="2357120"/>
+          <a:ext cx="8128000" cy="5418455"/>
+        </p:xfrm>
+        <a:graphic>
+          <a:graphicData uri="http://schemas.openxmlformats.org/drawingml/2006/diagram">
+            <dgm:relIds xmlns:dgm="http://schemas.openxmlformats.org/drawingml/2006/diagram" xmlns:r="http://schemas.openxmlformats.org/officeDocument/2006/relationships" r:dm="rId2" r:lo="rId3" r:qs="rId4" r:cs="rId5"/>
+          </a:graphicData>
+        </a:graphic>
+      </p:graphicFrame>
     </p:spTree>
   </p:cSld>
   <p:clrMapOvr>
